--- a/Semesters/SPRING 2022/1.19/1.19.pptx
+++ b/Semesters/SPRING 2022/1.19/1.19.pptx
@@ -5,7 +5,7 @@
     <p:sldMasterId id="2147483660" r:id="rId1"/>
   </p:sldMasterIdLst>
   <p:notesMasterIdLst>
-    <p:notesMasterId r:id="rId13"/>
+    <p:notesMasterId r:id="rId15"/>
   </p:notesMasterIdLst>
   <p:sldIdLst>
     <p:sldId id="256" r:id="rId2"/>
@@ -17,8 +17,10 @@
     <p:sldId id="312" r:id="rId8"/>
     <p:sldId id="313" r:id="rId9"/>
     <p:sldId id="314" r:id="rId10"/>
-    <p:sldId id="306" r:id="rId11"/>
-    <p:sldId id="265" r:id="rId12"/>
+    <p:sldId id="320" r:id="rId11"/>
+    <p:sldId id="316" r:id="rId12"/>
+    <p:sldId id="319" r:id="rId13"/>
+    <p:sldId id="317" r:id="rId14"/>
   </p:sldIdLst>
   <p:sldSz cx="12192000" cy="6858000"/>
   <p:notesSz cx="6858000" cy="9144000"/>
@@ -160,11 +162,11 @@
             </a:pPr>
             <a:r>
               <a:rPr lang="en-GB" dirty="0"/>
-              <a:t>Standard</a:t>
+              <a:t>Timepoints</a:t>
             </a:r>
             <a:r>
               <a:rPr lang="en-GB" baseline="0" dirty="0"/>
-              <a:t> Deviation vs Number of Timepoints vs Error as a fraction</a:t>
+              <a:t> vs Error (in %)</a:t>
             </a:r>
             <a:endParaRPr lang="en-GB" dirty="0"/>
           </a:p>
@@ -178,63 +180,43 @@
         </a:ln>
         <a:effectLst/>
       </c:spPr>
+      <c:txPr>
+        <a:bodyPr rot="0" spcFirstLastPara="1" vertOverflow="ellipsis" vert="horz" wrap="square" anchor="ctr" anchorCtr="1"/>
+        <a:lstStyle/>
+        <a:p>
+          <a:pPr>
+            <a:defRPr sz="1862" b="0" i="0" u="none" strike="noStrike" kern="1200" spc="0" baseline="0">
+              <a:solidFill>
+                <a:schemeClr val="tx1">
+                  <a:lumMod val="65000"/>
+                  <a:lumOff val="35000"/>
+                </a:schemeClr>
+              </a:solidFill>
+              <a:latin typeface="+mn-lt"/>
+              <a:ea typeface="+mn-ea"/>
+              <a:cs typeface="+mn-cs"/>
+            </a:defRPr>
+          </a:pPr>
+          <a:endParaRPr lang="en-US"/>
+        </a:p>
+      </c:txPr>
     </c:title>
     <c:autoTitleDeleted val="0"/>
-    <c:view3D>
-      <c:rotX val="25"/>
-      <c:hPercent val="30"/>
-      <c:rotY val="0"/>
-      <c:depthPercent val="90"/>
-      <c:rAngAx val="0"/>
-      <c:perspective val="20"/>
-    </c:view3D>
-    <c:floor>
-      <c:thickness val="0"/>
-      <c:spPr>
-        <a:noFill/>
-        <a:ln>
-          <a:noFill/>
-        </a:ln>
-        <a:effectLst/>
-        <a:sp3d/>
-      </c:spPr>
-    </c:floor>
-    <c:sideWall>
-      <c:thickness val="0"/>
-      <c:spPr>
-        <a:noFill/>
-        <a:ln>
-          <a:noFill/>
-        </a:ln>
-        <a:effectLst/>
-        <a:sp3d/>
-      </c:spPr>
-    </c:sideWall>
-    <c:backWall>
-      <c:thickness val="0"/>
-      <c:spPr>
-        <a:noFill/>
-        <a:ln>
-          <a:noFill/>
-        </a:ln>
-        <a:effectLst/>
-        <a:sp3d/>
-      </c:spPr>
-    </c:backWall>
     <c:plotArea>
       <c:layout>
         <c:manualLayout>
           <c:layoutTarget val="inner"/>
           <c:xMode val="edge"/>
           <c:yMode val="edge"/>
-          <c:x val="7.88238744809375E-2"/>
-          <c:y val="8.9638741431578059E-2"/>
-          <c:w val="0.83619815360829675"/>
-          <c:h val="0.80755588642205967"/>
+          <c:x val="5.6084163350806661E-2"/>
+          <c:y val="0.11472845067538734"/>
+          <c:w val="0.94267245033846547"/>
+          <c:h val="0.74082996278610003"/>
         </c:manualLayout>
       </c:layout>
-      <c:surface3DChart>
-        <c:wireframe val="0"/>
+      <c:lineChart>
+        <c:grouping val="standard"/>
+        <c:varyColors val="0"/>
         <c:ser>
           <c:idx val="0"/>
           <c:order val="0"/>
@@ -244,42 +226,45 @@
               <c:strCache>
                 <c:ptCount val="1"/>
                 <c:pt idx="0">
-                  <c:v>400</c:v>
+                  <c:v>No-Noise Model</c:v>
                 </c:pt>
               </c:strCache>
             </c:strRef>
           </c:tx>
           <c:spPr>
-            <a:solidFill>
-              <a:schemeClr val="accent1"/>
-            </a:solidFill>
-            <a:ln/>
+            <a:ln w="28575" cap="rnd">
+              <a:solidFill>
+                <a:schemeClr val="accent1"/>
+              </a:solidFill>
+              <a:round/>
+            </a:ln>
             <a:effectLst/>
-            <a:sp3d/>
           </c:spPr>
+          <c:marker>
+            <c:symbol val="none"/>
+          </c:marker>
           <c:cat>
-            <c:numRef>
+            <c:strRef>
               <c:f>Sheet1!$A$2:$A$6</c:f>
-              <c:numCache>
-                <c:formatCode>General</c:formatCode>
+              <c:strCache>
                 <c:ptCount val="5"/>
                 <c:pt idx="0">
-                  <c:v>2.5000000000000001E-2</c:v>
+                  <c:v>90-10</c:v>
                 </c:pt>
                 <c:pt idx="1">
-                  <c:v>0.05</c:v>
+                  <c:v>75-25</c:v>
                 </c:pt>
                 <c:pt idx="2">
-                  <c:v>0.1</c:v>
+                  <c:v>50-50</c:v>
                 </c:pt>
                 <c:pt idx="3">
-                  <c:v>0.2</c:v>
+                  <c:v>25-75</c:v>
                 </c:pt>
                 <c:pt idx="4">
-                  <c:v>0.4</c:v>
+                  <c:v>10_90</c:v>
                 </c:pt>
-              </c:numCache>
-            </c:numRef>
+              </c:strCache>
+            </c:strRef>
           </c:cat>
           <c:val>
             <c:numRef>
@@ -288,26 +273,27 @@
                 <c:formatCode>General</c:formatCode>
                 <c:ptCount val="5"/>
                 <c:pt idx="0">
-                  <c:v>1.7677499999999999</c:v>
+                  <c:v>84.411000000000001</c:v>
                 </c:pt>
                 <c:pt idx="1">
-                  <c:v>6.9307699999999999</c:v>
+                  <c:v>86.306600000000003</c:v>
                 </c:pt>
                 <c:pt idx="2">
-                  <c:v>13.2492</c:v>
+                  <c:v>89.681100000000001</c:v>
                 </c:pt>
                 <c:pt idx="3">
-                  <c:v>18.381129999999999</c:v>
+                  <c:v>93.355999999999995</c:v>
                 </c:pt>
                 <c:pt idx="4">
-                  <c:v>25.367999999999999</c:v>
+                  <c:v>95.724000000000004</c:v>
                 </c:pt>
               </c:numCache>
             </c:numRef>
           </c:val>
+          <c:smooth val="0"/>
           <c:extLst>
             <c:ext xmlns:c16="http://schemas.microsoft.com/office/drawing/2014/chart" uri="{C3380CC4-5D6E-409C-BE32-E72D297353CC}">
-              <c16:uniqueId val="{00000000-5D06-4DFF-92A5-1AE731546FCC}"/>
+              <c16:uniqueId val="{00000000-280C-4D8D-83B1-851B751BB779}"/>
             </c:ext>
           </c:extLst>
         </c:ser>
@@ -320,42 +306,45 @@
               <c:strCache>
                 <c:ptCount val="1"/>
                 <c:pt idx="0">
-                  <c:v>2000</c:v>
+                  <c:v>Noise Model</c:v>
                 </c:pt>
               </c:strCache>
             </c:strRef>
           </c:tx>
           <c:spPr>
-            <a:solidFill>
-              <a:schemeClr val="accent3"/>
-            </a:solidFill>
-            <a:ln/>
+            <a:ln w="28575" cap="rnd">
+              <a:solidFill>
+                <a:schemeClr val="accent2"/>
+              </a:solidFill>
+              <a:round/>
+            </a:ln>
             <a:effectLst/>
-            <a:sp3d/>
           </c:spPr>
+          <c:marker>
+            <c:symbol val="none"/>
+          </c:marker>
           <c:cat>
-            <c:numRef>
+            <c:strRef>
               <c:f>Sheet1!$A$2:$A$6</c:f>
-              <c:numCache>
-                <c:formatCode>General</c:formatCode>
+              <c:strCache>
                 <c:ptCount val="5"/>
                 <c:pt idx="0">
-                  <c:v>2.5000000000000001E-2</c:v>
+                  <c:v>90-10</c:v>
                 </c:pt>
                 <c:pt idx="1">
-                  <c:v>0.05</c:v>
+                  <c:v>75-25</c:v>
                 </c:pt>
                 <c:pt idx="2">
-                  <c:v>0.1</c:v>
+                  <c:v>50-50</c:v>
                 </c:pt>
                 <c:pt idx="3">
-                  <c:v>0.2</c:v>
+                  <c:v>25-75</c:v>
                 </c:pt>
                 <c:pt idx="4">
-                  <c:v>0.4</c:v>
+                  <c:v>10_90</c:v>
                 </c:pt>
-              </c:numCache>
-            </c:numRef>
+              </c:strCache>
+            </c:strRef>
           </c:cat>
           <c:val>
             <c:numRef>
@@ -364,473 +353,51 @@
                 <c:formatCode>General</c:formatCode>
                 <c:ptCount val="5"/>
                 <c:pt idx="0">
-                  <c:v>0.85611199999999998</c:v>
+                  <c:v>89.178700000000006</c:v>
                 </c:pt>
                 <c:pt idx="1">
-                  <c:v>5.8121099999999997</c:v>
+                  <c:v>89.712000000000003</c:v>
                 </c:pt>
                 <c:pt idx="2">
-                  <c:v>18.3262</c:v>
+                  <c:v>90.653999999999996</c:v>
                 </c:pt>
                 <c:pt idx="3">
-                  <c:v>56.005600000000001</c:v>
+                  <c:v>91.671999999999997</c:v>
                 </c:pt>
                 <c:pt idx="4">
-                  <c:v>185.44550000000001</c:v>
+                  <c:v>93.323999999999998</c:v>
                 </c:pt>
               </c:numCache>
             </c:numRef>
           </c:val>
+          <c:smooth val="0"/>
           <c:extLst>
             <c:ext xmlns:c16="http://schemas.microsoft.com/office/drawing/2014/chart" uri="{C3380CC4-5D6E-409C-BE32-E72D297353CC}">
-              <c16:uniqueId val="{00000001-5D06-4DFF-92A5-1AE731546FCC}"/>
+              <c16:uniqueId val="{00000001-280C-4D8D-83B1-851B751BB779}"/>
             </c:ext>
           </c:extLst>
         </c:ser>
-        <c:ser>
-          <c:idx val="2"/>
-          <c:order val="2"/>
-          <c:tx>
-            <c:strRef>
-              <c:f>Sheet1!$D$1</c:f>
-              <c:strCache>
-                <c:ptCount val="1"/>
-                <c:pt idx="0">
-                  <c:v>4000</c:v>
-                </c:pt>
-              </c:strCache>
-            </c:strRef>
-          </c:tx>
-          <c:spPr>
-            <a:solidFill>
-              <a:schemeClr val="accent5"/>
-            </a:solidFill>
-            <a:ln/>
-            <a:effectLst/>
-            <a:sp3d/>
-          </c:spPr>
-          <c:cat>
-            <c:numRef>
-              <c:f>Sheet1!$A$2:$A$6</c:f>
-              <c:numCache>
-                <c:formatCode>General</c:formatCode>
-                <c:ptCount val="5"/>
-                <c:pt idx="0">
-                  <c:v>2.5000000000000001E-2</c:v>
-                </c:pt>
-                <c:pt idx="1">
-                  <c:v>0.05</c:v>
-                </c:pt>
-                <c:pt idx="2">
-                  <c:v>0.1</c:v>
-                </c:pt>
-                <c:pt idx="3">
-                  <c:v>0.2</c:v>
-                </c:pt>
-                <c:pt idx="4">
-                  <c:v>0.4</c:v>
-                </c:pt>
-              </c:numCache>
-            </c:numRef>
-          </c:cat>
-          <c:val>
-            <c:numRef>
-              <c:f>Sheet1!$D$2:$D$6</c:f>
-              <c:numCache>
-                <c:formatCode>General</c:formatCode>
-                <c:ptCount val="5"/>
-                <c:pt idx="0">
-                  <c:v>3.7628000000000002E-3</c:v>
-                </c:pt>
-                <c:pt idx="1">
-                  <c:v>1.447692</c:v>
-                </c:pt>
-                <c:pt idx="2">
-                  <c:v>9.8656299999999995</c:v>
-                </c:pt>
-                <c:pt idx="3">
-                  <c:v>34.943100000000001</c:v>
-                </c:pt>
-                <c:pt idx="4">
-                  <c:v>129.28100000000001</c:v>
-                </c:pt>
-              </c:numCache>
-            </c:numRef>
-          </c:val>
-          <c:extLst>
-            <c:ext xmlns:c16="http://schemas.microsoft.com/office/drawing/2014/chart" uri="{C3380CC4-5D6E-409C-BE32-E72D297353CC}">
-              <c16:uniqueId val="{00000002-5D06-4DFF-92A5-1AE731546FCC}"/>
-            </c:ext>
-          </c:extLst>
-        </c:ser>
-        <c:ser>
-          <c:idx val="3"/>
-          <c:order val="3"/>
-          <c:tx>
-            <c:strRef>
-              <c:f>Sheet1!$E$1</c:f>
-              <c:strCache>
-                <c:ptCount val="1"/>
-                <c:pt idx="0">
-                  <c:v>10000</c:v>
-                </c:pt>
-              </c:strCache>
-            </c:strRef>
-          </c:tx>
-          <c:spPr>
-            <a:solidFill>
-              <a:schemeClr val="accent1">
-                <a:lumMod val="60000"/>
-              </a:schemeClr>
-            </a:solidFill>
-            <a:ln/>
-            <a:effectLst/>
-            <a:sp3d/>
-          </c:spPr>
-          <c:cat>
-            <c:numRef>
-              <c:f>Sheet1!$A$2:$A$6</c:f>
-              <c:numCache>
-                <c:formatCode>General</c:formatCode>
-                <c:ptCount val="5"/>
-                <c:pt idx="0">
-                  <c:v>2.5000000000000001E-2</c:v>
-                </c:pt>
-                <c:pt idx="1">
-                  <c:v>0.05</c:v>
-                </c:pt>
-                <c:pt idx="2">
-                  <c:v>0.1</c:v>
-                </c:pt>
-                <c:pt idx="3">
-                  <c:v>0.2</c:v>
-                </c:pt>
-                <c:pt idx="4">
-                  <c:v>0.4</c:v>
-                </c:pt>
-              </c:numCache>
-            </c:numRef>
-          </c:cat>
-          <c:val>
-            <c:numRef>
-              <c:f>Sheet1!$E$2:$E$6</c:f>
-              <c:numCache>
-                <c:formatCode>General</c:formatCode>
-                <c:ptCount val="5"/>
-                <c:pt idx="0">
-                  <c:v>2.5379999999999999E-3</c:v>
-                </c:pt>
-                <c:pt idx="1">
-                  <c:v>2.2850000000000001E-3</c:v>
-                </c:pt>
-                <c:pt idx="2">
-                  <c:v>1.9459679999999999</c:v>
-                </c:pt>
-                <c:pt idx="3">
-                  <c:v>15.744</c:v>
-                </c:pt>
-                <c:pt idx="4">
-                  <c:v>77.67</c:v>
-                </c:pt>
-              </c:numCache>
-            </c:numRef>
-          </c:val>
-          <c:extLst>
-            <c:ext xmlns:c16="http://schemas.microsoft.com/office/drawing/2014/chart" uri="{C3380CC4-5D6E-409C-BE32-E72D297353CC}">
-              <c16:uniqueId val="{00000003-5D06-4DFF-92A5-1AE731546FCC}"/>
-            </c:ext>
-          </c:extLst>
-        </c:ser>
-        <c:ser>
-          <c:idx val="4"/>
-          <c:order val="4"/>
-          <c:tx>
-            <c:strRef>
-              <c:f>Sheet1!$F$1</c:f>
-              <c:strCache>
-                <c:ptCount val="1"/>
-                <c:pt idx="0">
-                  <c:v>20000</c:v>
-                </c:pt>
-              </c:strCache>
-            </c:strRef>
-          </c:tx>
-          <c:spPr>
-            <a:solidFill>
-              <a:schemeClr val="accent3">
-                <a:lumMod val="60000"/>
-              </a:schemeClr>
-            </a:solidFill>
-            <a:ln/>
-            <a:effectLst/>
-            <a:sp3d/>
-          </c:spPr>
-          <c:cat>
-            <c:numRef>
-              <c:f>Sheet1!$A$2:$A$6</c:f>
-              <c:numCache>
-                <c:formatCode>General</c:formatCode>
-                <c:ptCount val="5"/>
-                <c:pt idx="0">
-                  <c:v>2.5000000000000001E-2</c:v>
-                </c:pt>
-                <c:pt idx="1">
-                  <c:v>0.05</c:v>
-                </c:pt>
-                <c:pt idx="2">
-                  <c:v>0.1</c:v>
-                </c:pt>
-                <c:pt idx="3">
-                  <c:v>0.2</c:v>
-                </c:pt>
-                <c:pt idx="4">
-                  <c:v>0.4</c:v>
-                </c:pt>
-              </c:numCache>
-            </c:numRef>
-          </c:cat>
-          <c:val>
-            <c:numRef>
-              <c:f>Sheet1!$F$2:$F$6</c:f>
-              <c:numCache>
-                <c:formatCode>General</c:formatCode>
-                <c:ptCount val="5"/>
-                <c:pt idx="0">
-                  <c:v>1.255E-3</c:v>
-                </c:pt>
-                <c:pt idx="1">
-                  <c:v>2.96E-3</c:v>
-                </c:pt>
-                <c:pt idx="2">
-                  <c:v>3.014E-2</c:v>
-                </c:pt>
-                <c:pt idx="3">
-                  <c:v>4.7729499999999998</c:v>
-                </c:pt>
-                <c:pt idx="4">
-                  <c:v>38.162750000000003</c:v>
-                </c:pt>
-              </c:numCache>
-            </c:numRef>
-          </c:val>
-          <c:extLst>
-            <c:ext xmlns:c16="http://schemas.microsoft.com/office/drawing/2014/chart" uri="{C3380CC4-5D6E-409C-BE32-E72D297353CC}">
-              <c16:uniqueId val="{00000004-5D06-4DFF-92A5-1AE731546FCC}"/>
-            </c:ext>
-          </c:extLst>
-        </c:ser>
-        <c:bandFmts>
-          <c:bandFmt>
-            <c:idx val="0"/>
-            <c:spPr>
-              <a:solidFill>
-                <a:schemeClr val="accent1"/>
-              </a:solidFill>
-              <a:ln/>
-              <a:effectLst/>
-              <a:sp3d/>
-            </c:spPr>
-          </c:bandFmt>
-          <c:bandFmt>
-            <c:idx val="1"/>
-            <c:spPr>
-              <a:solidFill>
-                <a:schemeClr val="accent3"/>
-              </a:solidFill>
-              <a:ln/>
-              <a:effectLst/>
-              <a:sp3d/>
-            </c:spPr>
-          </c:bandFmt>
-          <c:bandFmt>
-            <c:idx val="2"/>
-            <c:spPr>
-              <a:solidFill>
-                <a:schemeClr val="accent5"/>
-              </a:solidFill>
-              <a:ln/>
-              <a:effectLst/>
-              <a:sp3d/>
-            </c:spPr>
-          </c:bandFmt>
-          <c:bandFmt>
-            <c:idx val="3"/>
-            <c:spPr>
-              <a:solidFill>
-                <a:schemeClr val="accent1">
-                  <a:lumMod val="60000"/>
-                </a:schemeClr>
-              </a:solidFill>
-              <a:ln/>
-              <a:effectLst/>
-              <a:sp3d/>
-            </c:spPr>
-          </c:bandFmt>
-          <c:bandFmt>
-            <c:idx val="4"/>
-            <c:spPr>
-              <a:solidFill>
-                <a:schemeClr val="accent3">
-                  <a:lumMod val="60000"/>
-                </a:schemeClr>
-              </a:solidFill>
-              <a:ln/>
-              <a:effectLst/>
-              <a:sp3d/>
-            </c:spPr>
-          </c:bandFmt>
-          <c:bandFmt>
-            <c:idx val="5"/>
-            <c:spPr>
-              <a:solidFill>
-                <a:schemeClr val="accent5">
-                  <a:lumMod val="60000"/>
-                </a:schemeClr>
-              </a:solidFill>
-              <a:ln/>
-              <a:effectLst/>
-              <a:sp3d/>
-            </c:spPr>
-          </c:bandFmt>
-          <c:bandFmt>
-            <c:idx val="6"/>
-            <c:spPr>
-              <a:solidFill>
-                <a:schemeClr val="accent1">
-                  <a:lumMod val="80000"/>
-                  <a:lumOff val="20000"/>
-                </a:schemeClr>
-              </a:solidFill>
-              <a:ln/>
-              <a:effectLst/>
-              <a:sp3d/>
-            </c:spPr>
-          </c:bandFmt>
-          <c:bandFmt>
-            <c:idx val="7"/>
-            <c:spPr>
-              <a:solidFill>
-                <a:schemeClr val="accent3">
-                  <a:lumMod val="80000"/>
-                  <a:lumOff val="20000"/>
-                </a:schemeClr>
-              </a:solidFill>
-              <a:ln/>
-              <a:effectLst/>
-              <a:sp3d/>
-            </c:spPr>
-          </c:bandFmt>
-          <c:bandFmt>
-            <c:idx val="8"/>
-            <c:spPr>
-              <a:solidFill>
-                <a:schemeClr val="accent5">
-                  <a:lumMod val="80000"/>
-                  <a:lumOff val="20000"/>
-                </a:schemeClr>
-              </a:solidFill>
-              <a:ln/>
-              <a:effectLst/>
-              <a:sp3d/>
-            </c:spPr>
-          </c:bandFmt>
-          <c:bandFmt>
-            <c:idx val="9"/>
-            <c:spPr>
-              <a:solidFill>
-                <a:schemeClr val="accent1">
-                  <a:lumMod val="80000"/>
-                </a:schemeClr>
-              </a:solidFill>
-              <a:ln/>
-              <a:effectLst/>
-              <a:sp3d/>
-            </c:spPr>
-          </c:bandFmt>
-          <c:bandFmt>
-            <c:idx val="10"/>
-            <c:spPr>
-              <a:solidFill>
-                <a:schemeClr val="accent3">
-                  <a:lumMod val="80000"/>
-                </a:schemeClr>
-              </a:solidFill>
-              <a:ln/>
-              <a:effectLst/>
-              <a:sp3d/>
-            </c:spPr>
-          </c:bandFmt>
-          <c:bandFmt>
-            <c:idx val="11"/>
-            <c:spPr>
-              <a:solidFill>
-                <a:schemeClr val="accent5">
-                  <a:lumMod val="80000"/>
-                </a:schemeClr>
-              </a:solidFill>
-              <a:ln/>
-              <a:effectLst/>
-              <a:sp3d/>
-            </c:spPr>
-          </c:bandFmt>
-          <c:bandFmt>
-            <c:idx val="12"/>
-            <c:spPr>
-              <a:solidFill>
-                <a:schemeClr val="accent1">
-                  <a:lumMod val="60000"/>
-                  <a:lumOff val="40000"/>
-                </a:schemeClr>
-              </a:solidFill>
-              <a:ln/>
-              <a:effectLst/>
-              <a:sp3d/>
-            </c:spPr>
-          </c:bandFmt>
-          <c:bandFmt>
-            <c:idx val="13"/>
-            <c:spPr>
-              <a:solidFill>
-                <a:schemeClr val="accent3">
-                  <a:lumMod val="60000"/>
-                  <a:lumOff val="40000"/>
-                </a:schemeClr>
-              </a:solidFill>
-              <a:ln/>
-              <a:effectLst/>
-              <a:sp3d/>
-            </c:spPr>
-          </c:bandFmt>
-          <c:bandFmt>
-            <c:idx val="14"/>
-            <c:spPr>
-              <a:solidFill>
-                <a:schemeClr val="accent5">
-                  <a:lumMod val="60000"/>
-                  <a:lumOff val="40000"/>
-                </a:schemeClr>
-              </a:solidFill>
-              <a:ln/>
-              <a:effectLst/>
-              <a:sp3d/>
-            </c:spPr>
-          </c:bandFmt>
-        </c:bandFmts>
-        <c:axId val="444841696"/>
-        <c:axId val="444844320"/>
-        <c:axId val="630484232"/>
-      </c:surface3DChart>
+        <c:dLbls>
+          <c:showLegendKey val="0"/>
+          <c:showVal val="0"/>
+          <c:showCatName val="0"/>
+          <c:showSerName val="0"/>
+          <c:showPercent val="0"/>
+          <c:showBubbleSize val="0"/>
+        </c:dLbls>
+        <c:smooth val="0"/>
+        <c:axId val="503240848"/>
+        <c:axId val="503241504"/>
+      </c:lineChart>
       <c:catAx>
-        <c:axId val="444841696"/>
+        <c:axId val="503240848"/>
         <c:scaling>
           <c:orientation val="minMax"/>
         </c:scaling>
         <c:delete val="0"/>
         <c:axPos val="b"/>
-        <c:majorGridlines/>
-        <c:minorGridlines/>
         <c:numFmt formatCode="General" sourceLinked="1"/>
-        <c:majorTickMark val="out"/>
+        <c:majorTickMark val="none"/>
         <c:minorTickMark val="none"/>
         <c:tickLblPos val="nextTo"/>
         <c:spPr>
@@ -866,7 +433,7 @@
             <a:endParaRPr lang="en-US"/>
           </a:p>
         </c:txPr>
-        <c:crossAx val="444844320"/>
+        <c:crossAx val="503241504"/>
         <c:crosses val="autoZero"/>
         <c:auto val="1"/>
         <c:lblAlgn val="ctr"/>
@@ -874,7 +441,7 @@
         <c:noMultiLvlLbl val="0"/>
       </c:catAx>
       <c:valAx>
-        <c:axId val="444844320"/>
+        <c:axId val="503241504"/>
         <c:scaling>
           <c:orientation val="minMax"/>
         </c:scaling>
@@ -894,33 +461,6 @@
             <a:effectLst/>
           </c:spPr>
         </c:majorGridlines>
-        <c:minorGridlines/>
-        <c:title>
-          <c:tx>
-            <c:rich>
-              <a:bodyPr/>
-              <a:lstStyle/>
-              <a:p>
-                <a:pPr>
-                  <a:defRPr/>
-                </a:pPr>
-                <a:r>
-                  <a:rPr lang="en-GB" sz="2400" dirty="0"/>
-                  <a:t>Error as a fraction</a:t>
-                </a:r>
-              </a:p>
-            </c:rich>
-          </c:tx>
-          <c:layout>
-            <c:manualLayout>
-              <c:xMode val="edge"/>
-              <c:yMode val="edge"/>
-              <c:x val="5.6526933101650738E-2"/>
-              <c:y val="0.11442477754079297"/>
-            </c:manualLayout>
-          </c:layout>
-          <c:overlay val="0"/>
-        </c:title>
         <c:numFmt formatCode="General" sourceLinked="1"/>
         <c:majorTickMark val="none"/>
         <c:minorTickMark val="none"/>
@@ -952,110 +492,16 @@
             <a:endParaRPr lang="en-US"/>
           </a:p>
         </c:txPr>
-        <c:crossAx val="444841696"/>
+        <c:crossAx val="503240848"/>
         <c:crosses val="autoZero"/>
-        <c:crossBetween val="midCat"/>
+        <c:crossBetween val="between"/>
       </c:valAx>
-      <c:serAx>
-        <c:axId val="630484232"/>
-        <c:scaling>
-          <c:orientation val="minMax"/>
-        </c:scaling>
-        <c:delete val="0"/>
-        <c:axPos val="b"/>
-        <c:minorGridlines/>
-        <c:majorTickMark val="out"/>
-        <c:minorTickMark val="none"/>
-        <c:tickLblPos val="nextTo"/>
-        <c:spPr>
-          <a:noFill/>
-          <a:ln w="9525" cap="flat" cmpd="sng" algn="ctr">
-            <a:solidFill>
-              <a:schemeClr val="tx1">
-                <a:lumMod val="15000"/>
-                <a:lumOff val="85000"/>
-              </a:schemeClr>
-            </a:solidFill>
-            <a:round/>
-            <a:headEnd type="diamond"/>
-          </a:ln>
-          <a:effectLst/>
-        </c:spPr>
-        <c:txPr>
-          <a:bodyPr rot="-60000000" spcFirstLastPara="1" vertOverflow="ellipsis" vert="horz" wrap="square" anchor="ctr" anchorCtr="1"/>
-          <a:lstStyle/>
-          <a:p>
-            <a:pPr>
-              <a:defRPr sz="1197" b="0" i="0" u="none" strike="noStrike" kern="1200" baseline="0">
-                <a:solidFill>
-                  <a:schemeClr val="tx1">
-                    <a:lumMod val="65000"/>
-                    <a:lumOff val="35000"/>
-                  </a:schemeClr>
-                </a:solidFill>
-                <a:latin typeface="+mn-lt"/>
-                <a:ea typeface="+mn-ea"/>
-                <a:cs typeface="+mn-cs"/>
-              </a:defRPr>
-            </a:pPr>
-            <a:endParaRPr lang="en-US"/>
-          </a:p>
-        </c:txPr>
-        <c:crossAx val="444844320"/>
-        <c:crosses val="autoZero"/>
-        <c:tickLblSkip val="1"/>
-      </c:serAx>
       <c:spPr>
-        <a:gradFill>
-          <a:gsLst>
-            <a:gs pos="35372">
-              <a:srgbClr val="FDE8C9"/>
-            </a:gs>
-            <a:gs pos="13000">
-              <a:schemeClr val="accent1">
-                <a:lumMod val="5000"/>
-                <a:lumOff val="95000"/>
-              </a:schemeClr>
-            </a:gs>
-            <a:gs pos="74000">
-              <a:schemeClr val="accent1">
-                <a:lumMod val="45000"/>
-                <a:lumOff val="55000"/>
-              </a:schemeClr>
-            </a:gs>
-            <a:gs pos="83000">
-              <a:schemeClr val="accent1">
-                <a:lumMod val="45000"/>
-                <a:lumOff val="55000"/>
-              </a:schemeClr>
-            </a:gs>
-            <a:gs pos="100000">
-              <a:schemeClr val="accent1">
-                <a:lumMod val="30000"/>
-                <a:lumOff val="70000"/>
-              </a:schemeClr>
-            </a:gs>
-          </a:gsLst>
-          <a:lin ang="600000" scaled="0"/>
-        </a:gradFill>
+        <a:noFill/>
         <a:ln>
           <a:noFill/>
         </a:ln>
-        <a:effectLst>
-          <a:outerShdw blurRad="50800" dist="114300" dir="21540000" algn="ctr" rotWithShape="0">
-            <a:srgbClr val="000000">
-              <a:alpha val="46000"/>
-            </a:srgbClr>
-          </a:outerShdw>
-          <a:softEdge rad="31750"/>
-        </a:effectLst>
-        <a:scene3d>
-          <a:camera prst="orthographicFront"/>
-          <a:lightRig rig="threePt" dir="t"/>
-        </a:scene3d>
-        <a:sp3d>
-          <a:bevelT prst="relaxedInset"/>
-        </a:sp3d>
+        <a:effectLst/>
       </c:spPr>
     </c:plotArea>
     <c:legend>
@@ -1072,7 +518,7 @@
         <a:bodyPr rot="0" spcFirstLastPara="1" vertOverflow="ellipsis" vert="horz" wrap="square" anchor="ctr" anchorCtr="1"/>
         <a:lstStyle/>
         <a:p>
-          <a:pPr rtl="0">
+          <a:pPr>
             <a:defRPr sz="1197" b="0" i="0" u="none" strike="noStrike" kern="1200" baseline="0">
               <a:solidFill>
                 <a:schemeClr val="tx1">
@@ -1090,7 +536,7 @@
       </c:txPr>
     </c:legend>
     <c:plotVisOnly val="1"/>
-    <c:dispBlanksAs val="zero"/>
+    <c:dispBlanksAs val="gap"/>
     <c:extLst>
       <c:ext xmlns:c16r3="http://schemas.microsoft.com/office/drawing/2017/03/chart" uri="{56B9EC1D-385E-4148-901F-78D8002777C0}">
         <c16r3:dataDisplayOptions16>
@@ -1101,46 +547,11 @@
     <c:showDLblsOverMax val="0"/>
   </c:chart>
   <c:spPr>
-    <a:gradFill>
-      <a:gsLst>
-        <a:gs pos="35372">
-          <a:srgbClr val="FDE8C9"/>
-        </a:gs>
-        <a:gs pos="13000">
-          <a:schemeClr val="accent1">
-            <a:lumMod val="5000"/>
-            <a:lumOff val="95000"/>
-          </a:schemeClr>
-        </a:gs>
-        <a:gs pos="74000">
-          <a:schemeClr val="accent1">
-            <a:lumMod val="45000"/>
-            <a:lumOff val="55000"/>
-          </a:schemeClr>
-        </a:gs>
-        <a:gs pos="83000">
-          <a:schemeClr val="accent1">
-            <a:lumMod val="45000"/>
-            <a:lumOff val="55000"/>
-          </a:schemeClr>
-        </a:gs>
-        <a:gs pos="100000">
-          <a:schemeClr val="accent1">
-            <a:lumMod val="30000"/>
-            <a:lumOff val="70000"/>
-          </a:schemeClr>
-        </a:gs>
-      </a:gsLst>
-      <a:lin ang="600000" scaled="0"/>
-    </a:gradFill>
-    <a:effectLst>
-      <a:outerShdw blurRad="50800" dist="50800" dir="5400000" algn="ctr" rotWithShape="0">
-        <a:schemeClr val="accent1">
-          <a:lumMod val="20000"/>
-          <a:lumOff val="80000"/>
-        </a:schemeClr>
-      </a:outerShdw>
-    </a:effectLst>
+    <a:noFill/>
+    <a:ln>
+      <a:noFill/>
+    </a:ln>
+    <a:effectLst/>
   </c:spPr>
   <c:txPr>
     <a:bodyPr/>
@@ -1152,166 +563,1626 @@
       <a:endParaRPr lang="en-US"/>
     </a:p>
   </c:txPr>
-  <c:externalData r:id="rId1">
+  <c:externalData r:id="rId3">
     <c:autoUpdate val="0"/>
   </c:externalData>
-  <c:userShapes r:id="rId2"/>
 </c:chartSpace>
 </file>
 
-<file path=ppt/drawings/drawing1.xml><?xml version="1.0" encoding="utf-8"?>
-<c:userShapes xmlns:c="http://schemas.openxmlformats.org/drawingml/2006/chart">
-  <cdr:relSizeAnchor xmlns:cdr="http://schemas.openxmlformats.org/drawingml/2006/chartDrawing">
-    <cdr:from>
-      <cdr:x>0.31668</cdr:x>
-      <cdr:y>0.7649</cdr:y>
-    </cdr:from>
-    <cdr:to>
-      <cdr:x>0.66247</cdr:x>
-      <cdr:y>0.86473</cdr:y>
-    </cdr:to>
-    <cdr:sp macro="" textlink="">
-      <cdr:nvSpPr>
-        <cdr:cNvPr id="2" name="TextBox 1">
-          <a:extLst xmlns:a="http://schemas.openxmlformats.org/drawingml/2006/main">
-            <a:ext uri="{FF2B5EF4-FFF2-40B4-BE49-F238E27FC236}">
-              <a16:creationId xmlns:a16="http://schemas.microsoft.com/office/drawing/2014/main" id="{4CBB5C0A-843F-4F29-AA4B-A42A03BA3E37}"/>
-            </a:ext>
-          </a:extLst>
-        </cdr:cNvPr>
-        <cdr:cNvSpPr txBox="1"/>
-      </cdr:nvSpPr>
-      <cdr:spPr>
-        <a:xfrm xmlns:a="http://schemas.openxmlformats.org/drawingml/2006/main">
-          <a:off x="3703320" y="4826000"/>
-          <a:ext cx="4043680" cy="629920"/>
-        </a:xfrm>
-        <a:prstGeom xmlns:a="http://schemas.openxmlformats.org/drawingml/2006/main" prst="rect">
-          <a:avLst/>
-        </a:prstGeom>
-      </cdr:spPr>
-      <cdr:txBody>
-        <a:bodyPr xmlns:a="http://schemas.openxmlformats.org/drawingml/2006/main" vertOverflow="clip" wrap="square" rtlCol="0"/>
-        <a:lstStyle xmlns:a="http://schemas.openxmlformats.org/drawingml/2006/main"/>
-        <a:p xmlns:a="http://schemas.openxmlformats.org/drawingml/2006/main">
-          <a:r>
-            <a:rPr lang="en-GB" sz="2800" b="1" dirty="0"/>
-            <a:t>Number of Timepoints</a:t>
-          </a:r>
-        </a:p>
-      </cdr:txBody>
-    </cdr:sp>
-  </cdr:relSizeAnchor>
-  <cdr:relSizeAnchor xmlns:cdr="http://schemas.openxmlformats.org/drawingml/2006/chartDrawing">
-    <cdr:from>
-      <cdr:x>0.87011</cdr:x>
-      <cdr:y>0.09984</cdr:y>
-    </cdr:from>
-    <cdr:to>
-      <cdr:x>0.92398</cdr:x>
-      <cdr:y>0.74074</cdr:y>
-    </cdr:to>
-    <cdr:sp macro="" textlink="">
-      <cdr:nvSpPr>
-        <cdr:cNvPr id="3" name="TextBox 1">
-          <a:extLst xmlns:a="http://schemas.openxmlformats.org/drawingml/2006/main">
-            <a:ext uri="{FF2B5EF4-FFF2-40B4-BE49-F238E27FC236}">
-              <a16:creationId xmlns:a16="http://schemas.microsoft.com/office/drawing/2014/main" id="{A27F7986-53F4-49EF-9FAC-62E929A394EB}"/>
-            </a:ext>
-          </a:extLst>
-        </cdr:cNvPr>
-        <cdr:cNvSpPr txBox="1"/>
-      </cdr:nvSpPr>
-      <cdr:spPr>
-        <a:xfrm xmlns:a="http://schemas.openxmlformats.org/drawingml/2006/main" rot="4237480">
-          <a:off x="8468362" y="2336800"/>
-          <a:ext cx="4043680" cy="629920"/>
-        </a:xfrm>
-        <a:prstGeom xmlns:a="http://schemas.openxmlformats.org/drawingml/2006/main" prst="rect">
-          <a:avLst/>
-        </a:prstGeom>
-      </cdr:spPr>
-      <cdr:txBody>
-        <a:bodyPr xmlns:a="http://schemas.openxmlformats.org/drawingml/2006/main" wrap="square" rtlCol="0"/>
-        <a:lstStyle xmlns:a="http://schemas.openxmlformats.org/drawingml/2006/main">
-          <a:lvl1pPr marL="0" indent="0">
-            <a:defRPr sz="1100">
+<file path=ppt/charts/chart2.xml><?xml version="1.0" encoding="utf-8"?>
+<c:chartSpace xmlns:c="http://schemas.openxmlformats.org/drawingml/2006/chart" xmlns:a="http://schemas.openxmlformats.org/drawingml/2006/main" xmlns:r="http://schemas.openxmlformats.org/officeDocument/2006/relationships" xmlns:c16r2="http://schemas.microsoft.com/office/drawing/2015/06/chart">
+  <c:date1904 val="0"/>
+  <c:lang val="en-US"/>
+  <c:roundedCorners val="0"/>
+  <mc:AlternateContent xmlns:mc="http://schemas.openxmlformats.org/markup-compatibility/2006">
+    <mc:Choice xmlns:c14="http://schemas.microsoft.com/office/drawing/2007/8/2/chart" Requires="c14">
+      <c14:style val="102"/>
+    </mc:Choice>
+    <mc:Fallback>
+      <c:style val="2"/>
+    </mc:Fallback>
+  </mc:AlternateContent>
+  <c:chart>
+    <c:title>
+      <c:tx>
+        <c:rich>
+          <a:bodyPr rot="0" spcFirstLastPara="1" vertOverflow="ellipsis" vert="horz" wrap="square" anchor="ctr" anchorCtr="1"/>
+          <a:lstStyle/>
+          <a:p>
+            <a:pPr>
+              <a:defRPr sz="1862" b="0" i="0" u="none" strike="noStrike" kern="1200" spc="0" baseline="0">
+                <a:solidFill>
+                  <a:schemeClr val="tx1">
+                    <a:lumMod val="65000"/>
+                    <a:lumOff val="35000"/>
+                  </a:schemeClr>
+                </a:solidFill>
+                <a:latin typeface="+mn-lt"/>
+                <a:ea typeface="+mn-ea"/>
+                <a:cs typeface="+mn-cs"/>
+              </a:defRPr>
+            </a:pPr>
+            <a:r>
+              <a:rPr lang="en-GB" dirty="0"/>
+              <a:t>Timepoints</a:t>
+            </a:r>
+            <a:r>
+              <a:rPr lang="en-GB" baseline="0" dirty="0"/>
+              <a:t> vs Error (in %)</a:t>
+            </a:r>
+            <a:endParaRPr lang="en-GB" dirty="0"/>
+          </a:p>
+        </c:rich>
+      </c:tx>
+      <c:overlay val="0"/>
+      <c:spPr>
+        <a:noFill/>
+        <a:ln>
+          <a:noFill/>
+        </a:ln>
+        <a:effectLst/>
+      </c:spPr>
+      <c:txPr>
+        <a:bodyPr rot="0" spcFirstLastPara="1" vertOverflow="ellipsis" vert="horz" wrap="square" anchor="ctr" anchorCtr="1"/>
+        <a:lstStyle/>
+        <a:p>
+          <a:pPr>
+            <a:defRPr sz="1862" b="0" i="0" u="none" strike="noStrike" kern="1200" spc="0" baseline="0">
+              <a:solidFill>
+                <a:schemeClr val="tx1">
+                  <a:lumMod val="65000"/>
+                  <a:lumOff val="35000"/>
+                </a:schemeClr>
+              </a:solidFill>
               <a:latin typeface="+mn-lt"/>
               <a:ea typeface="+mn-ea"/>
               <a:cs typeface="+mn-cs"/>
             </a:defRPr>
-          </a:lvl1pPr>
-          <a:lvl2pPr marL="457200" indent="0">
-            <a:defRPr sz="1100">
+          </a:pPr>
+          <a:endParaRPr lang="en-US"/>
+        </a:p>
+      </c:txPr>
+    </c:title>
+    <c:autoTitleDeleted val="0"/>
+    <c:plotArea>
+      <c:layout>
+        <c:manualLayout>
+          <c:layoutTarget val="inner"/>
+          <c:xMode val="edge"/>
+          <c:yMode val="edge"/>
+          <c:x val="5.6084163350806661E-2"/>
+          <c:y val="0.11472845067538734"/>
+          <c:w val="0.94267245033846547"/>
+          <c:h val="0.74082996278610003"/>
+        </c:manualLayout>
+      </c:layout>
+      <c:lineChart>
+        <c:grouping val="standard"/>
+        <c:varyColors val="0"/>
+        <c:ser>
+          <c:idx val="0"/>
+          <c:order val="0"/>
+          <c:tx>
+            <c:strRef>
+              <c:f>Sheet1!$B$1</c:f>
+              <c:strCache>
+                <c:ptCount val="1"/>
+                <c:pt idx="0">
+                  <c:v>No-Noise Model</c:v>
+                </c:pt>
+              </c:strCache>
+            </c:strRef>
+          </c:tx>
+          <c:spPr>
+            <a:ln w="28575" cap="rnd">
+              <a:solidFill>
+                <a:schemeClr val="accent1"/>
+              </a:solidFill>
+              <a:round/>
+            </a:ln>
+            <a:effectLst/>
+          </c:spPr>
+          <c:marker>
+            <c:symbol val="none"/>
+          </c:marker>
+          <c:cat>
+            <c:numRef>
+              <c:f>Sheet1!$A$2:$A$11</c:f>
+              <c:numCache>
+                <c:formatCode>General</c:formatCode>
+                <c:ptCount val="10"/>
+                <c:pt idx="0">
+                  <c:v>100</c:v>
+                </c:pt>
+                <c:pt idx="1">
+                  <c:v>500</c:v>
+                </c:pt>
+                <c:pt idx="2">
+                  <c:v>600</c:v>
+                </c:pt>
+                <c:pt idx="3">
+                  <c:v>700</c:v>
+                </c:pt>
+                <c:pt idx="4">
+                  <c:v>800</c:v>
+                </c:pt>
+                <c:pt idx="5">
+                  <c:v>840</c:v>
+                </c:pt>
+                <c:pt idx="6">
+                  <c:v>845</c:v>
+                </c:pt>
+                <c:pt idx="7">
+                  <c:v>860</c:v>
+                </c:pt>
+                <c:pt idx="8">
+                  <c:v>870</c:v>
+                </c:pt>
+                <c:pt idx="9">
+                  <c:v>900</c:v>
+                </c:pt>
+              </c:numCache>
+            </c:numRef>
+          </c:cat>
+          <c:val>
+            <c:numRef>
+              <c:f>Sheet1!$B$2:$B$11</c:f>
+              <c:numCache>
+                <c:formatCode>General</c:formatCode>
+                <c:ptCount val="10"/>
+                <c:pt idx="0">
+                  <c:v>84.411000000000001</c:v>
+                </c:pt>
+                <c:pt idx="1">
+                  <c:v>97.778999999999996</c:v>
+                </c:pt>
+                <c:pt idx="2">
+                  <c:v>87.26</c:v>
+                </c:pt>
+                <c:pt idx="3">
+                  <c:v>88.962999999999994</c:v>
+                </c:pt>
+                <c:pt idx="4">
+                  <c:v>76.17</c:v>
+                </c:pt>
+                <c:pt idx="5">
+                  <c:v>81.430000000000007</c:v>
+                </c:pt>
+                <c:pt idx="6">
+                  <c:v>81.817800000000005</c:v>
+                </c:pt>
+                <c:pt idx="7">
+                  <c:v>15.93</c:v>
+                </c:pt>
+                <c:pt idx="8">
+                  <c:v>16.457999999999998</c:v>
+                </c:pt>
+                <c:pt idx="9">
+                  <c:v>16.545999999999999</c:v>
+                </c:pt>
+              </c:numCache>
+            </c:numRef>
+          </c:val>
+          <c:smooth val="0"/>
+          <c:extLst>
+            <c:ext xmlns:c16="http://schemas.microsoft.com/office/drawing/2014/chart" uri="{C3380CC4-5D6E-409C-BE32-E72D297353CC}">
+              <c16:uniqueId val="{00000000-280C-4D8D-83B1-851B751BB779}"/>
+            </c:ext>
+          </c:extLst>
+        </c:ser>
+        <c:ser>
+          <c:idx val="1"/>
+          <c:order val="1"/>
+          <c:tx>
+            <c:strRef>
+              <c:f>Sheet1!$C$1</c:f>
+              <c:strCache>
+                <c:ptCount val="1"/>
+                <c:pt idx="0">
+                  <c:v>Noise Model</c:v>
+                </c:pt>
+              </c:strCache>
+            </c:strRef>
+          </c:tx>
+          <c:spPr>
+            <a:ln w="28575" cap="rnd">
+              <a:solidFill>
+                <a:schemeClr val="accent2"/>
+              </a:solidFill>
+              <a:round/>
+            </a:ln>
+            <a:effectLst/>
+          </c:spPr>
+          <c:marker>
+            <c:symbol val="none"/>
+          </c:marker>
+          <c:cat>
+            <c:numRef>
+              <c:f>Sheet1!$A$2:$A$11</c:f>
+              <c:numCache>
+                <c:formatCode>General</c:formatCode>
+                <c:ptCount val="10"/>
+                <c:pt idx="0">
+                  <c:v>100</c:v>
+                </c:pt>
+                <c:pt idx="1">
+                  <c:v>500</c:v>
+                </c:pt>
+                <c:pt idx="2">
+                  <c:v>600</c:v>
+                </c:pt>
+                <c:pt idx="3">
+                  <c:v>700</c:v>
+                </c:pt>
+                <c:pt idx="4">
+                  <c:v>800</c:v>
+                </c:pt>
+                <c:pt idx="5">
+                  <c:v>840</c:v>
+                </c:pt>
+                <c:pt idx="6">
+                  <c:v>845</c:v>
+                </c:pt>
+                <c:pt idx="7">
+                  <c:v>860</c:v>
+                </c:pt>
+                <c:pt idx="8">
+                  <c:v>870</c:v>
+                </c:pt>
+                <c:pt idx="9">
+                  <c:v>900</c:v>
+                </c:pt>
+              </c:numCache>
+            </c:numRef>
+          </c:cat>
+          <c:val>
+            <c:numRef>
+              <c:f>Sheet1!$C$2:$C$11</c:f>
+              <c:numCache>
+                <c:formatCode>General</c:formatCode>
+                <c:ptCount val="10"/>
+                <c:pt idx="0">
+                  <c:v>89.178700000000006</c:v>
+                </c:pt>
+                <c:pt idx="1">
+                  <c:v>89.561999999999998</c:v>
+                </c:pt>
+                <c:pt idx="2">
+                  <c:v>78.798000000000002</c:v>
+                </c:pt>
+                <c:pt idx="3">
+                  <c:v>86.7</c:v>
+                </c:pt>
+                <c:pt idx="4">
+                  <c:v>16.315000000000001</c:v>
+                </c:pt>
+                <c:pt idx="5">
+                  <c:v>81.39</c:v>
+                </c:pt>
+                <c:pt idx="6">
+                  <c:v>75.900000000000006</c:v>
+                </c:pt>
+                <c:pt idx="7">
+                  <c:v>16.5</c:v>
+                </c:pt>
+                <c:pt idx="8">
+                  <c:v>15.959</c:v>
+                </c:pt>
+                <c:pt idx="9">
+                  <c:v>16.571999999999999</c:v>
+                </c:pt>
+              </c:numCache>
+            </c:numRef>
+          </c:val>
+          <c:smooth val="0"/>
+          <c:extLst>
+            <c:ext xmlns:c16="http://schemas.microsoft.com/office/drawing/2014/chart" uri="{C3380CC4-5D6E-409C-BE32-E72D297353CC}">
+              <c16:uniqueId val="{00000001-280C-4D8D-83B1-851B751BB779}"/>
+            </c:ext>
+          </c:extLst>
+        </c:ser>
+        <c:dLbls>
+          <c:showLegendKey val="0"/>
+          <c:showVal val="0"/>
+          <c:showCatName val="0"/>
+          <c:showSerName val="0"/>
+          <c:showPercent val="0"/>
+          <c:showBubbleSize val="0"/>
+        </c:dLbls>
+        <c:smooth val="0"/>
+        <c:axId val="503240848"/>
+        <c:axId val="503241504"/>
+      </c:lineChart>
+      <c:catAx>
+        <c:axId val="503240848"/>
+        <c:scaling>
+          <c:orientation val="minMax"/>
+        </c:scaling>
+        <c:delete val="0"/>
+        <c:axPos val="b"/>
+        <c:numFmt formatCode="General" sourceLinked="1"/>
+        <c:majorTickMark val="none"/>
+        <c:minorTickMark val="none"/>
+        <c:tickLblPos val="nextTo"/>
+        <c:spPr>
+          <a:noFill/>
+          <a:ln w="9525" cap="flat" cmpd="sng" algn="ctr">
+            <a:solidFill>
+              <a:schemeClr val="tx1">
+                <a:lumMod val="15000"/>
+                <a:lumOff val="85000"/>
+              </a:schemeClr>
+            </a:solidFill>
+            <a:round/>
+          </a:ln>
+          <a:effectLst/>
+        </c:spPr>
+        <c:txPr>
+          <a:bodyPr rot="-60000000" spcFirstLastPara="1" vertOverflow="ellipsis" vert="horz" wrap="square" anchor="ctr" anchorCtr="1"/>
+          <a:lstStyle/>
+          <a:p>
+            <a:pPr>
+              <a:defRPr sz="1197" b="0" i="0" u="none" strike="noStrike" kern="1200" baseline="0">
+                <a:solidFill>
+                  <a:schemeClr val="tx1">
+                    <a:lumMod val="65000"/>
+                    <a:lumOff val="35000"/>
+                  </a:schemeClr>
+                </a:solidFill>
+                <a:latin typeface="+mn-lt"/>
+                <a:ea typeface="+mn-ea"/>
+                <a:cs typeface="+mn-cs"/>
+              </a:defRPr>
+            </a:pPr>
+            <a:endParaRPr lang="en-US"/>
+          </a:p>
+        </c:txPr>
+        <c:crossAx val="503241504"/>
+        <c:crosses val="autoZero"/>
+        <c:auto val="1"/>
+        <c:lblAlgn val="ctr"/>
+        <c:lblOffset val="100"/>
+        <c:noMultiLvlLbl val="0"/>
+      </c:catAx>
+      <c:valAx>
+        <c:axId val="503241504"/>
+        <c:scaling>
+          <c:orientation val="minMax"/>
+        </c:scaling>
+        <c:delete val="0"/>
+        <c:axPos val="l"/>
+        <c:majorGridlines>
+          <c:spPr>
+            <a:ln w="9525" cap="flat" cmpd="sng" algn="ctr">
+              <a:solidFill>
+                <a:schemeClr val="tx1">
+                  <a:lumMod val="15000"/>
+                  <a:lumOff val="85000"/>
+                </a:schemeClr>
+              </a:solidFill>
+              <a:round/>
+            </a:ln>
+            <a:effectLst/>
+          </c:spPr>
+        </c:majorGridlines>
+        <c:numFmt formatCode="General" sourceLinked="1"/>
+        <c:majorTickMark val="none"/>
+        <c:minorTickMark val="none"/>
+        <c:tickLblPos val="nextTo"/>
+        <c:spPr>
+          <a:noFill/>
+          <a:ln>
+            <a:noFill/>
+          </a:ln>
+          <a:effectLst/>
+        </c:spPr>
+        <c:txPr>
+          <a:bodyPr rot="-60000000" spcFirstLastPara="1" vertOverflow="ellipsis" vert="horz" wrap="square" anchor="ctr" anchorCtr="1"/>
+          <a:lstStyle/>
+          <a:p>
+            <a:pPr>
+              <a:defRPr sz="1197" b="0" i="0" u="none" strike="noStrike" kern="1200" baseline="0">
+                <a:solidFill>
+                  <a:schemeClr val="tx1">
+                    <a:lumMod val="65000"/>
+                    <a:lumOff val="35000"/>
+                  </a:schemeClr>
+                </a:solidFill>
+                <a:latin typeface="+mn-lt"/>
+                <a:ea typeface="+mn-ea"/>
+                <a:cs typeface="+mn-cs"/>
+              </a:defRPr>
+            </a:pPr>
+            <a:endParaRPr lang="en-US"/>
+          </a:p>
+        </c:txPr>
+        <c:crossAx val="503240848"/>
+        <c:crosses val="autoZero"/>
+        <c:crossBetween val="between"/>
+      </c:valAx>
+      <c:spPr>
+        <a:noFill/>
+        <a:ln>
+          <a:noFill/>
+        </a:ln>
+        <a:effectLst/>
+      </c:spPr>
+    </c:plotArea>
+    <c:legend>
+      <c:legendPos val="b"/>
+      <c:overlay val="0"/>
+      <c:spPr>
+        <a:noFill/>
+        <a:ln>
+          <a:noFill/>
+        </a:ln>
+        <a:effectLst/>
+      </c:spPr>
+      <c:txPr>
+        <a:bodyPr rot="0" spcFirstLastPara="1" vertOverflow="ellipsis" vert="horz" wrap="square" anchor="ctr" anchorCtr="1"/>
+        <a:lstStyle/>
+        <a:p>
+          <a:pPr>
+            <a:defRPr sz="1197" b="0" i="0" u="none" strike="noStrike" kern="1200" baseline="0">
+              <a:solidFill>
+                <a:schemeClr val="tx1">
+                  <a:lumMod val="65000"/>
+                  <a:lumOff val="35000"/>
+                </a:schemeClr>
+              </a:solidFill>
               <a:latin typeface="+mn-lt"/>
               <a:ea typeface="+mn-ea"/>
               <a:cs typeface="+mn-cs"/>
             </a:defRPr>
-          </a:lvl2pPr>
-          <a:lvl3pPr marL="914400" indent="0">
-            <a:defRPr sz="1100">
-              <a:latin typeface="+mn-lt"/>
-              <a:ea typeface="+mn-ea"/>
-              <a:cs typeface="+mn-cs"/>
-            </a:defRPr>
-          </a:lvl3pPr>
-          <a:lvl4pPr marL="1371600" indent="0">
-            <a:defRPr sz="1100">
-              <a:latin typeface="+mn-lt"/>
-              <a:ea typeface="+mn-ea"/>
-              <a:cs typeface="+mn-cs"/>
-            </a:defRPr>
-          </a:lvl4pPr>
-          <a:lvl5pPr marL="1828800" indent="0">
-            <a:defRPr sz="1100">
-              <a:latin typeface="+mn-lt"/>
-              <a:ea typeface="+mn-ea"/>
-              <a:cs typeface="+mn-cs"/>
-            </a:defRPr>
-          </a:lvl5pPr>
-          <a:lvl6pPr marL="2286000" indent="0">
-            <a:defRPr sz="1100">
-              <a:latin typeface="+mn-lt"/>
-              <a:ea typeface="+mn-ea"/>
-              <a:cs typeface="+mn-cs"/>
-            </a:defRPr>
-          </a:lvl6pPr>
-          <a:lvl7pPr marL="2743200" indent="0">
-            <a:defRPr sz="1100">
-              <a:latin typeface="+mn-lt"/>
-              <a:ea typeface="+mn-ea"/>
-              <a:cs typeface="+mn-cs"/>
-            </a:defRPr>
-          </a:lvl7pPr>
-          <a:lvl8pPr marL="3200400" indent="0">
-            <a:defRPr sz="1100">
-              <a:latin typeface="+mn-lt"/>
-              <a:ea typeface="+mn-ea"/>
-              <a:cs typeface="+mn-cs"/>
-            </a:defRPr>
-          </a:lvl8pPr>
-          <a:lvl9pPr marL="3657600" indent="0">
-            <a:defRPr sz="1100">
-              <a:latin typeface="+mn-lt"/>
-              <a:ea typeface="+mn-ea"/>
-              <a:cs typeface="+mn-cs"/>
-            </a:defRPr>
-          </a:lvl9pPr>
-        </a:lstStyle>
-        <a:p xmlns:a="http://schemas.openxmlformats.org/drawingml/2006/main">
-          <a:pPr algn="ctr" rtl="0"/>
-          <a:r>
-            <a:rPr lang="en-GB" sz="2800" b="1" dirty="0"/>
-            <a:t>Standard Deviation</a:t>
-          </a:r>
+          </a:pPr>
+          <a:endParaRPr lang="en-US"/>
         </a:p>
-        <a:p xmlns:a="http://schemas.openxmlformats.org/drawingml/2006/main">
-          <a:endParaRPr lang="en-GB" sz="2800" b="1" dirty="0"/>
-        </a:p>
-      </cdr:txBody>
-    </cdr:sp>
-  </cdr:relSizeAnchor>
-</c:userShapes>
+      </c:txPr>
+    </c:legend>
+    <c:plotVisOnly val="1"/>
+    <c:dispBlanksAs val="gap"/>
+    <c:extLst>
+      <c:ext xmlns:c16r3="http://schemas.microsoft.com/office/drawing/2017/03/chart" uri="{56B9EC1D-385E-4148-901F-78D8002777C0}">
+        <c16r3:dataDisplayOptions16>
+          <c16r3:dispNaAsBlank val="1"/>
+        </c16r3:dataDisplayOptions16>
+      </c:ext>
+    </c:extLst>
+    <c:showDLblsOverMax val="0"/>
+  </c:chart>
+  <c:spPr>
+    <a:noFill/>
+    <a:ln>
+      <a:noFill/>
+    </a:ln>
+    <a:effectLst/>
+  </c:spPr>
+  <c:txPr>
+    <a:bodyPr/>
+    <a:lstStyle/>
+    <a:p>
+      <a:pPr>
+        <a:defRPr/>
+      </a:pPr>
+      <a:endParaRPr lang="en-US"/>
+    </a:p>
+  </c:txPr>
+  <c:externalData r:id="rId3">
+    <c:autoUpdate val="0"/>
+  </c:externalData>
+</c:chartSpace>
+</file>
+
+<file path=ppt/charts/colors1.xml><?xml version="1.0" encoding="utf-8"?>
+<cs:colorStyle xmlns:cs="http://schemas.microsoft.com/office/drawing/2012/chartStyle" xmlns:a="http://schemas.openxmlformats.org/drawingml/2006/main" meth="cycle" id="10">
+  <a:schemeClr val="accent1"/>
+  <a:schemeClr val="accent2"/>
+  <a:schemeClr val="accent3"/>
+  <a:schemeClr val="accent4"/>
+  <a:schemeClr val="accent5"/>
+  <a:schemeClr val="accent6"/>
+  <cs:variation/>
+  <cs:variation>
+    <a:lumMod val="60000"/>
+  </cs:variation>
+  <cs:variation>
+    <a:lumMod val="80000"/>
+    <a:lumOff val="20000"/>
+  </cs:variation>
+  <cs:variation>
+    <a:lumMod val="80000"/>
+  </cs:variation>
+  <cs:variation>
+    <a:lumMod val="60000"/>
+    <a:lumOff val="40000"/>
+  </cs:variation>
+  <cs:variation>
+    <a:lumMod val="50000"/>
+  </cs:variation>
+  <cs:variation>
+    <a:lumMod val="70000"/>
+    <a:lumOff val="30000"/>
+  </cs:variation>
+  <cs:variation>
+    <a:lumMod val="70000"/>
+  </cs:variation>
+  <cs:variation>
+    <a:lumMod val="50000"/>
+    <a:lumOff val="50000"/>
+  </cs:variation>
+</cs:colorStyle>
+</file>
+
+<file path=ppt/charts/colors2.xml><?xml version="1.0" encoding="utf-8"?>
+<cs:colorStyle xmlns:cs="http://schemas.microsoft.com/office/drawing/2012/chartStyle" xmlns:a="http://schemas.openxmlformats.org/drawingml/2006/main" meth="cycle" id="10">
+  <a:schemeClr val="accent1"/>
+  <a:schemeClr val="accent2"/>
+  <a:schemeClr val="accent3"/>
+  <a:schemeClr val="accent4"/>
+  <a:schemeClr val="accent5"/>
+  <a:schemeClr val="accent6"/>
+  <cs:variation/>
+  <cs:variation>
+    <a:lumMod val="60000"/>
+  </cs:variation>
+  <cs:variation>
+    <a:lumMod val="80000"/>
+    <a:lumOff val="20000"/>
+  </cs:variation>
+  <cs:variation>
+    <a:lumMod val="80000"/>
+  </cs:variation>
+  <cs:variation>
+    <a:lumMod val="60000"/>
+    <a:lumOff val="40000"/>
+  </cs:variation>
+  <cs:variation>
+    <a:lumMod val="50000"/>
+  </cs:variation>
+  <cs:variation>
+    <a:lumMod val="70000"/>
+    <a:lumOff val="30000"/>
+  </cs:variation>
+  <cs:variation>
+    <a:lumMod val="70000"/>
+  </cs:variation>
+  <cs:variation>
+    <a:lumMod val="50000"/>
+    <a:lumOff val="50000"/>
+  </cs:variation>
+</cs:colorStyle>
+</file>
+
+<file path=ppt/charts/style1.xml><?xml version="1.0" encoding="utf-8"?>
+<cs:chartStyle xmlns:cs="http://schemas.microsoft.com/office/drawing/2012/chartStyle" xmlns:a="http://schemas.openxmlformats.org/drawingml/2006/main" id="227">
+  <cs:axisTitle>
+    <cs:lnRef idx="0"/>
+    <cs:fillRef idx="0"/>
+    <cs:effectRef idx="0"/>
+    <cs:fontRef idx="minor">
+      <a:schemeClr val="tx1">
+        <a:lumMod val="65000"/>
+        <a:lumOff val="35000"/>
+      </a:schemeClr>
+    </cs:fontRef>
+    <cs:defRPr sz="1330" kern="1200"/>
+  </cs:axisTitle>
+  <cs:categoryAxis>
+    <cs:lnRef idx="0"/>
+    <cs:fillRef idx="0"/>
+    <cs:effectRef idx="0"/>
+    <cs:fontRef idx="minor">
+      <a:schemeClr val="tx1">
+        <a:lumMod val="65000"/>
+        <a:lumOff val="35000"/>
+      </a:schemeClr>
+    </cs:fontRef>
+    <cs:spPr>
+      <a:ln w="9525" cap="flat" cmpd="sng" algn="ctr">
+        <a:solidFill>
+          <a:schemeClr val="tx1">
+            <a:lumMod val="15000"/>
+            <a:lumOff val="85000"/>
+          </a:schemeClr>
+        </a:solidFill>
+        <a:round/>
+      </a:ln>
+    </cs:spPr>
+    <cs:defRPr sz="1197" kern="1200"/>
+  </cs:categoryAxis>
+  <cs:chartArea mods="allowNoFillOverride allowNoLineOverride">
+    <cs:lnRef idx="0"/>
+    <cs:fillRef idx="0"/>
+    <cs:effectRef idx="0"/>
+    <cs:fontRef idx="minor">
+      <a:schemeClr val="tx1"/>
+    </cs:fontRef>
+    <cs:spPr>
+      <a:solidFill>
+        <a:schemeClr val="bg1"/>
+      </a:solidFill>
+      <a:ln w="9525" cap="flat" cmpd="sng" algn="ctr">
+        <a:solidFill>
+          <a:schemeClr val="tx1">
+            <a:lumMod val="15000"/>
+            <a:lumOff val="85000"/>
+          </a:schemeClr>
+        </a:solidFill>
+        <a:round/>
+      </a:ln>
+    </cs:spPr>
+    <cs:defRPr sz="1330" kern="1200"/>
+  </cs:chartArea>
+  <cs:dataLabel>
+    <cs:lnRef idx="0"/>
+    <cs:fillRef idx="0"/>
+    <cs:effectRef idx="0"/>
+    <cs:fontRef idx="minor">
+      <a:schemeClr val="tx1">
+        <a:lumMod val="75000"/>
+        <a:lumOff val="25000"/>
+      </a:schemeClr>
+    </cs:fontRef>
+    <cs:defRPr sz="1197" kern="1200"/>
+  </cs:dataLabel>
+  <cs:dataLabelCallout>
+    <cs:lnRef idx="0"/>
+    <cs:fillRef idx="0"/>
+    <cs:effectRef idx="0"/>
+    <cs:fontRef idx="minor">
+      <a:schemeClr val="dk1">
+        <a:lumMod val="65000"/>
+        <a:lumOff val="35000"/>
+      </a:schemeClr>
+    </cs:fontRef>
+    <cs:spPr>
+      <a:solidFill>
+        <a:schemeClr val="lt1"/>
+      </a:solidFill>
+      <a:ln>
+        <a:solidFill>
+          <a:schemeClr val="dk1">
+            <a:lumMod val="25000"/>
+            <a:lumOff val="75000"/>
+          </a:schemeClr>
+        </a:solidFill>
+      </a:ln>
+    </cs:spPr>
+    <cs:defRPr sz="1197" kern="1200"/>
+    <cs:bodyPr rot="0" spcFirstLastPara="1" vertOverflow="clip" horzOverflow="clip" vert="horz" wrap="square" lIns="36576" tIns="18288" rIns="36576" bIns="18288" anchor="ctr" anchorCtr="1">
+      <a:spAutoFit/>
+    </cs:bodyPr>
+  </cs:dataLabelCallout>
+  <cs:dataPoint>
+    <cs:lnRef idx="0"/>
+    <cs:fillRef idx="1">
+      <cs:styleClr val="auto"/>
+    </cs:fillRef>
+    <cs:effectRef idx="0"/>
+    <cs:fontRef idx="minor">
+      <a:schemeClr val="tx1"/>
+    </cs:fontRef>
+    <cs:spPr>
+      <a:solidFill>
+        <a:schemeClr val="phClr"/>
+      </a:solidFill>
+    </cs:spPr>
+  </cs:dataPoint>
+  <cs:dataPoint3D>
+    <cs:lnRef idx="0"/>
+    <cs:fillRef idx="1">
+      <cs:styleClr val="auto"/>
+    </cs:fillRef>
+    <cs:effectRef idx="0"/>
+    <cs:fontRef idx="minor">
+      <a:schemeClr val="tx1"/>
+    </cs:fontRef>
+    <cs:spPr>
+      <a:solidFill>
+        <a:schemeClr val="phClr"/>
+      </a:solidFill>
+    </cs:spPr>
+  </cs:dataPoint3D>
+  <cs:dataPointLine>
+    <cs:lnRef idx="0">
+      <cs:styleClr val="auto"/>
+    </cs:lnRef>
+    <cs:fillRef idx="1"/>
+    <cs:effectRef idx="0"/>
+    <cs:fontRef idx="minor">
+      <a:schemeClr val="tx1"/>
+    </cs:fontRef>
+    <cs:spPr>
+      <a:ln w="28575" cap="rnd">
+        <a:solidFill>
+          <a:schemeClr val="phClr"/>
+        </a:solidFill>
+        <a:round/>
+      </a:ln>
+    </cs:spPr>
+  </cs:dataPointLine>
+  <cs:dataPointMarker>
+    <cs:lnRef idx="0">
+      <cs:styleClr val="auto"/>
+    </cs:lnRef>
+    <cs:fillRef idx="1">
+      <cs:styleClr val="auto"/>
+    </cs:fillRef>
+    <cs:effectRef idx="0"/>
+    <cs:fontRef idx="minor">
+      <a:schemeClr val="tx1"/>
+    </cs:fontRef>
+    <cs:spPr>
+      <a:solidFill>
+        <a:schemeClr val="phClr"/>
+      </a:solidFill>
+      <a:ln w="9525">
+        <a:solidFill>
+          <a:schemeClr val="phClr"/>
+        </a:solidFill>
+      </a:ln>
+    </cs:spPr>
+  </cs:dataPointMarker>
+  <cs:dataPointMarkerLayout symbol="circle" size="5"/>
+  <cs:dataPointWireframe>
+    <cs:lnRef idx="0">
+      <cs:styleClr val="auto"/>
+    </cs:lnRef>
+    <cs:fillRef idx="1"/>
+    <cs:effectRef idx="0"/>
+    <cs:fontRef idx="minor">
+      <a:schemeClr val="tx1"/>
+    </cs:fontRef>
+    <cs:spPr>
+      <a:ln w="9525" cap="rnd">
+        <a:solidFill>
+          <a:schemeClr val="phClr"/>
+        </a:solidFill>
+        <a:round/>
+      </a:ln>
+    </cs:spPr>
+  </cs:dataPointWireframe>
+  <cs:dataTable>
+    <cs:lnRef idx="0"/>
+    <cs:fillRef idx="0"/>
+    <cs:effectRef idx="0"/>
+    <cs:fontRef idx="minor">
+      <a:schemeClr val="tx1">
+        <a:lumMod val="65000"/>
+        <a:lumOff val="35000"/>
+      </a:schemeClr>
+    </cs:fontRef>
+    <cs:spPr>
+      <a:noFill/>
+      <a:ln w="9525" cap="flat" cmpd="sng" algn="ctr">
+        <a:solidFill>
+          <a:schemeClr val="tx1">
+            <a:lumMod val="15000"/>
+            <a:lumOff val="85000"/>
+          </a:schemeClr>
+        </a:solidFill>
+        <a:round/>
+      </a:ln>
+    </cs:spPr>
+    <cs:defRPr sz="1197" kern="1200"/>
+  </cs:dataTable>
+  <cs:downBar>
+    <cs:lnRef idx="0"/>
+    <cs:fillRef idx="0"/>
+    <cs:effectRef idx="0"/>
+    <cs:fontRef idx="minor">
+      <a:schemeClr val="dk1"/>
+    </cs:fontRef>
+    <cs:spPr>
+      <a:solidFill>
+        <a:schemeClr val="dk1">
+          <a:lumMod val="65000"/>
+          <a:lumOff val="35000"/>
+        </a:schemeClr>
+      </a:solidFill>
+      <a:ln w="9525">
+        <a:solidFill>
+          <a:schemeClr val="tx1">
+            <a:lumMod val="65000"/>
+            <a:lumOff val="35000"/>
+          </a:schemeClr>
+        </a:solidFill>
+      </a:ln>
+    </cs:spPr>
+  </cs:downBar>
+  <cs:dropLine>
+    <cs:lnRef idx="0"/>
+    <cs:fillRef idx="0"/>
+    <cs:effectRef idx="0"/>
+    <cs:fontRef idx="minor">
+      <a:schemeClr val="tx1"/>
+    </cs:fontRef>
+    <cs:spPr>
+      <a:ln w="9525" cap="flat" cmpd="sng" algn="ctr">
+        <a:solidFill>
+          <a:schemeClr val="tx1">
+            <a:lumMod val="35000"/>
+            <a:lumOff val="65000"/>
+          </a:schemeClr>
+        </a:solidFill>
+        <a:round/>
+      </a:ln>
+    </cs:spPr>
+  </cs:dropLine>
+  <cs:errorBar>
+    <cs:lnRef idx="0"/>
+    <cs:fillRef idx="0"/>
+    <cs:effectRef idx="0"/>
+    <cs:fontRef idx="minor">
+      <a:schemeClr val="tx1"/>
+    </cs:fontRef>
+    <cs:spPr>
+      <a:ln w="9525" cap="flat" cmpd="sng" algn="ctr">
+        <a:solidFill>
+          <a:schemeClr val="tx1">
+            <a:lumMod val="65000"/>
+            <a:lumOff val="35000"/>
+          </a:schemeClr>
+        </a:solidFill>
+        <a:round/>
+      </a:ln>
+    </cs:spPr>
+  </cs:errorBar>
+  <cs:floor>
+    <cs:lnRef idx="0"/>
+    <cs:fillRef idx="0"/>
+    <cs:effectRef idx="0"/>
+    <cs:fontRef idx="minor">
+      <a:schemeClr val="tx1"/>
+    </cs:fontRef>
+    <cs:spPr>
+      <a:noFill/>
+      <a:ln>
+        <a:noFill/>
+      </a:ln>
+    </cs:spPr>
+  </cs:floor>
+  <cs:gridlineMajor>
+    <cs:lnRef idx="0"/>
+    <cs:fillRef idx="0"/>
+    <cs:effectRef idx="0"/>
+    <cs:fontRef idx="minor">
+      <a:schemeClr val="tx1"/>
+    </cs:fontRef>
+    <cs:spPr>
+      <a:ln w="9525" cap="flat" cmpd="sng" algn="ctr">
+        <a:solidFill>
+          <a:schemeClr val="tx1">
+            <a:lumMod val="15000"/>
+            <a:lumOff val="85000"/>
+          </a:schemeClr>
+        </a:solidFill>
+        <a:round/>
+      </a:ln>
+    </cs:spPr>
+  </cs:gridlineMajor>
+  <cs:gridlineMinor>
+    <cs:lnRef idx="0"/>
+    <cs:fillRef idx="0"/>
+    <cs:effectRef idx="0"/>
+    <cs:fontRef idx="minor">
+      <a:schemeClr val="tx1"/>
+    </cs:fontRef>
+    <cs:spPr>
+      <a:ln w="9525" cap="flat" cmpd="sng" algn="ctr">
+        <a:solidFill>
+          <a:schemeClr val="tx1">
+            <a:lumMod val="5000"/>
+            <a:lumOff val="95000"/>
+          </a:schemeClr>
+        </a:solidFill>
+        <a:round/>
+      </a:ln>
+    </cs:spPr>
+  </cs:gridlineMinor>
+  <cs:hiLoLine>
+    <cs:lnRef idx="0"/>
+    <cs:fillRef idx="0"/>
+    <cs:effectRef idx="0"/>
+    <cs:fontRef idx="minor">
+      <a:schemeClr val="tx1"/>
+    </cs:fontRef>
+    <cs:spPr>
+      <a:ln w="9525" cap="flat" cmpd="sng" algn="ctr">
+        <a:solidFill>
+          <a:schemeClr val="tx1">
+            <a:lumMod val="75000"/>
+            <a:lumOff val="25000"/>
+          </a:schemeClr>
+        </a:solidFill>
+        <a:round/>
+      </a:ln>
+    </cs:spPr>
+  </cs:hiLoLine>
+  <cs:leaderLine>
+    <cs:lnRef idx="0"/>
+    <cs:fillRef idx="0"/>
+    <cs:effectRef idx="0"/>
+    <cs:fontRef idx="minor">
+      <a:schemeClr val="tx1"/>
+    </cs:fontRef>
+    <cs:spPr>
+      <a:ln w="9525" cap="flat" cmpd="sng" algn="ctr">
+        <a:solidFill>
+          <a:schemeClr val="tx1">
+            <a:lumMod val="35000"/>
+            <a:lumOff val="65000"/>
+          </a:schemeClr>
+        </a:solidFill>
+        <a:round/>
+      </a:ln>
+    </cs:spPr>
+  </cs:leaderLine>
+  <cs:legend>
+    <cs:lnRef idx="0"/>
+    <cs:fillRef idx="0"/>
+    <cs:effectRef idx="0"/>
+    <cs:fontRef idx="minor">
+      <a:schemeClr val="tx1">
+        <a:lumMod val="65000"/>
+        <a:lumOff val="35000"/>
+      </a:schemeClr>
+    </cs:fontRef>
+    <cs:defRPr sz="1197" kern="1200"/>
+  </cs:legend>
+  <cs:plotArea mods="allowNoFillOverride allowNoLineOverride">
+    <cs:lnRef idx="0"/>
+    <cs:fillRef idx="0"/>
+    <cs:effectRef idx="0"/>
+    <cs:fontRef idx="minor">
+      <a:schemeClr val="tx1"/>
+    </cs:fontRef>
+  </cs:plotArea>
+  <cs:plotArea3D mods="allowNoFillOverride allowNoLineOverride">
+    <cs:lnRef idx="0"/>
+    <cs:fillRef idx="0"/>
+    <cs:effectRef idx="0"/>
+    <cs:fontRef idx="minor">
+      <a:schemeClr val="tx1"/>
+    </cs:fontRef>
+  </cs:plotArea3D>
+  <cs:seriesAxis>
+    <cs:lnRef idx="0"/>
+    <cs:fillRef idx="0"/>
+    <cs:effectRef idx="0"/>
+    <cs:fontRef idx="minor">
+      <a:schemeClr val="tx1">
+        <a:lumMod val="65000"/>
+        <a:lumOff val="35000"/>
+      </a:schemeClr>
+    </cs:fontRef>
+    <cs:defRPr sz="1197" kern="1200"/>
+  </cs:seriesAxis>
+  <cs:seriesLine>
+    <cs:lnRef idx="0"/>
+    <cs:fillRef idx="0"/>
+    <cs:effectRef idx="0"/>
+    <cs:fontRef idx="minor">
+      <a:schemeClr val="tx1"/>
+    </cs:fontRef>
+    <cs:spPr>
+      <a:ln w="9525" cap="flat" cmpd="sng" algn="ctr">
+        <a:solidFill>
+          <a:schemeClr val="tx1">
+            <a:lumMod val="35000"/>
+            <a:lumOff val="65000"/>
+          </a:schemeClr>
+        </a:solidFill>
+        <a:round/>
+      </a:ln>
+    </cs:spPr>
+  </cs:seriesLine>
+  <cs:title>
+    <cs:lnRef idx="0"/>
+    <cs:fillRef idx="0"/>
+    <cs:effectRef idx="0"/>
+    <cs:fontRef idx="minor">
+      <a:schemeClr val="tx1">
+        <a:lumMod val="65000"/>
+        <a:lumOff val="35000"/>
+      </a:schemeClr>
+    </cs:fontRef>
+    <cs:defRPr sz="1862" b="0" kern="1200" spc="0" baseline="0"/>
+  </cs:title>
+  <cs:trendline>
+    <cs:lnRef idx="0">
+      <cs:styleClr val="auto"/>
+    </cs:lnRef>
+    <cs:fillRef idx="0"/>
+    <cs:effectRef idx="0"/>
+    <cs:fontRef idx="minor">
+      <a:schemeClr val="tx1"/>
+    </cs:fontRef>
+    <cs:spPr>
+      <a:ln w="19050" cap="rnd">
+        <a:solidFill>
+          <a:schemeClr val="phClr"/>
+        </a:solidFill>
+        <a:prstDash val="sysDot"/>
+      </a:ln>
+    </cs:spPr>
+  </cs:trendline>
+  <cs:trendlineLabel>
+    <cs:lnRef idx="0"/>
+    <cs:fillRef idx="0"/>
+    <cs:effectRef idx="0"/>
+    <cs:fontRef idx="minor">
+      <a:schemeClr val="tx1">
+        <a:lumMod val="65000"/>
+        <a:lumOff val="35000"/>
+      </a:schemeClr>
+    </cs:fontRef>
+    <cs:defRPr sz="1197" kern="1200"/>
+  </cs:trendlineLabel>
+  <cs:upBar>
+    <cs:lnRef idx="0"/>
+    <cs:fillRef idx="0"/>
+    <cs:effectRef idx="0"/>
+    <cs:fontRef idx="minor">
+      <a:schemeClr val="dk1"/>
+    </cs:fontRef>
+    <cs:spPr>
+      <a:solidFill>
+        <a:schemeClr val="lt1"/>
+      </a:solidFill>
+      <a:ln w="9525">
+        <a:solidFill>
+          <a:schemeClr val="tx1">
+            <a:lumMod val="15000"/>
+            <a:lumOff val="85000"/>
+          </a:schemeClr>
+        </a:solidFill>
+      </a:ln>
+    </cs:spPr>
+  </cs:upBar>
+  <cs:valueAxis>
+    <cs:lnRef idx="0"/>
+    <cs:fillRef idx="0"/>
+    <cs:effectRef idx="0"/>
+    <cs:fontRef idx="minor">
+      <a:schemeClr val="tx1">
+        <a:lumMod val="65000"/>
+        <a:lumOff val="35000"/>
+      </a:schemeClr>
+    </cs:fontRef>
+    <cs:defRPr sz="1197" kern="1200"/>
+  </cs:valueAxis>
+  <cs:wall>
+    <cs:lnRef idx="0"/>
+    <cs:fillRef idx="0"/>
+    <cs:effectRef idx="0"/>
+    <cs:fontRef idx="minor">
+      <a:schemeClr val="tx1"/>
+    </cs:fontRef>
+    <cs:spPr>
+      <a:noFill/>
+      <a:ln>
+        <a:noFill/>
+      </a:ln>
+    </cs:spPr>
+  </cs:wall>
+</cs:chartStyle>
+</file>
+
+<file path=ppt/charts/style2.xml><?xml version="1.0" encoding="utf-8"?>
+<cs:chartStyle xmlns:cs="http://schemas.microsoft.com/office/drawing/2012/chartStyle" xmlns:a="http://schemas.openxmlformats.org/drawingml/2006/main" id="227">
+  <cs:axisTitle>
+    <cs:lnRef idx="0"/>
+    <cs:fillRef idx="0"/>
+    <cs:effectRef idx="0"/>
+    <cs:fontRef idx="minor">
+      <a:schemeClr val="tx1">
+        <a:lumMod val="65000"/>
+        <a:lumOff val="35000"/>
+      </a:schemeClr>
+    </cs:fontRef>
+    <cs:defRPr sz="1330" kern="1200"/>
+  </cs:axisTitle>
+  <cs:categoryAxis>
+    <cs:lnRef idx="0"/>
+    <cs:fillRef idx="0"/>
+    <cs:effectRef idx="0"/>
+    <cs:fontRef idx="minor">
+      <a:schemeClr val="tx1">
+        <a:lumMod val="65000"/>
+        <a:lumOff val="35000"/>
+      </a:schemeClr>
+    </cs:fontRef>
+    <cs:spPr>
+      <a:ln w="9525" cap="flat" cmpd="sng" algn="ctr">
+        <a:solidFill>
+          <a:schemeClr val="tx1">
+            <a:lumMod val="15000"/>
+            <a:lumOff val="85000"/>
+          </a:schemeClr>
+        </a:solidFill>
+        <a:round/>
+      </a:ln>
+    </cs:spPr>
+    <cs:defRPr sz="1197" kern="1200"/>
+  </cs:categoryAxis>
+  <cs:chartArea mods="allowNoFillOverride allowNoLineOverride">
+    <cs:lnRef idx="0"/>
+    <cs:fillRef idx="0"/>
+    <cs:effectRef idx="0"/>
+    <cs:fontRef idx="minor">
+      <a:schemeClr val="tx1"/>
+    </cs:fontRef>
+    <cs:spPr>
+      <a:solidFill>
+        <a:schemeClr val="bg1"/>
+      </a:solidFill>
+      <a:ln w="9525" cap="flat" cmpd="sng" algn="ctr">
+        <a:solidFill>
+          <a:schemeClr val="tx1">
+            <a:lumMod val="15000"/>
+            <a:lumOff val="85000"/>
+          </a:schemeClr>
+        </a:solidFill>
+        <a:round/>
+      </a:ln>
+    </cs:spPr>
+    <cs:defRPr sz="1330" kern="1200"/>
+  </cs:chartArea>
+  <cs:dataLabel>
+    <cs:lnRef idx="0"/>
+    <cs:fillRef idx="0"/>
+    <cs:effectRef idx="0"/>
+    <cs:fontRef idx="minor">
+      <a:schemeClr val="tx1">
+        <a:lumMod val="75000"/>
+        <a:lumOff val="25000"/>
+      </a:schemeClr>
+    </cs:fontRef>
+    <cs:defRPr sz="1197" kern="1200"/>
+  </cs:dataLabel>
+  <cs:dataLabelCallout>
+    <cs:lnRef idx="0"/>
+    <cs:fillRef idx="0"/>
+    <cs:effectRef idx="0"/>
+    <cs:fontRef idx="minor">
+      <a:schemeClr val="dk1">
+        <a:lumMod val="65000"/>
+        <a:lumOff val="35000"/>
+      </a:schemeClr>
+    </cs:fontRef>
+    <cs:spPr>
+      <a:solidFill>
+        <a:schemeClr val="lt1"/>
+      </a:solidFill>
+      <a:ln>
+        <a:solidFill>
+          <a:schemeClr val="dk1">
+            <a:lumMod val="25000"/>
+            <a:lumOff val="75000"/>
+          </a:schemeClr>
+        </a:solidFill>
+      </a:ln>
+    </cs:spPr>
+    <cs:defRPr sz="1197" kern="1200"/>
+    <cs:bodyPr rot="0" spcFirstLastPara="1" vertOverflow="clip" horzOverflow="clip" vert="horz" wrap="square" lIns="36576" tIns="18288" rIns="36576" bIns="18288" anchor="ctr" anchorCtr="1">
+      <a:spAutoFit/>
+    </cs:bodyPr>
+  </cs:dataLabelCallout>
+  <cs:dataPoint>
+    <cs:lnRef idx="0"/>
+    <cs:fillRef idx="1">
+      <cs:styleClr val="auto"/>
+    </cs:fillRef>
+    <cs:effectRef idx="0"/>
+    <cs:fontRef idx="minor">
+      <a:schemeClr val="tx1"/>
+    </cs:fontRef>
+    <cs:spPr>
+      <a:solidFill>
+        <a:schemeClr val="phClr"/>
+      </a:solidFill>
+    </cs:spPr>
+  </cs:dataPoint>
+  <cs:dataPoint3D>
+    <cs:lnRef idx="0"/>
+    <cs:fillRef idx="1">
+      <cs:styleClr val="auto"/>
+    </cs:fillRef>
+    <cs:effectRef idx="0"/>
+    <cs:fontRef idx="minor">
+      <a:schemeClr val="tx1"/>
+    </cs:fontRef>
+    <cs:spPr>
+      <a:solidFill>
+        <a:schemeClr val="phClr"/>
+      </a:solidFill>
+    </cs:spPr>
+  </cs:dataPoint3D>
+  <cs:dataPointLine>
+    <cs:lnRef idx="0">
+      <cs:styleClr val="auto"/>
+    </cs:lnRef>
+    <cs:fillRef idx="1"/>
+    <cs:effectRef idx="0"/>
+    <cs:fontRef idx="minor">
+      <a:schemeClr val="tx1"/>
+    </cs:fontRef>
+    <cs:spPr>
+      <a:ln w="28575" cap="rnd">
+        <a:solidFill>
+          <a:schemeClr val="phClr"/>
+        </a:solidFill>
+        <a:round/>
+      </a:ln>
+    </cs:spPr>
+  </cs:dataPointLine>
+  <cs:dataPointMarker>
+    <cs:lnRef idx="0">
+      <cs:styleClr val="auto"/>
+    </cs:lnRef>
+    <cs:fillRef idx="1">
+      <cs:styleClr val="auto"/>
+    </cs:fillRef>
+    <cs:effectRef idx="0"/>
+    <cs:fontRef idx="minor">
+      <a:schemeClr val="tx1"/>
+    </cs:fontRef>
+    <cs:spPr>
+      <a:solidFill>
+        <a:schemeClr val="phClr"/>
+      </a:solidFill>
+      <a:ln w="9525">
+        <a:solidFill>
+          <a:schemeClr val="phClr"/>
+        </a:solidFill>
+      </a:ln>
+    </cs:spPr>
+  </cs:dataPointMarker>
+  <cs:dataPointMarkerLayout symbol="circle" size="5"/>
+  <cs:dataPointWireframe>
+    <cs:lnRef idx="0">
+      <cs:styleClr val="auto"/>
+    </cs:lnRef>
+    <cs:fillRef idx="1"/>
+    <cs:effectRef idx="0"/>
+    <cs:fontRef idx="minor">
+      <a:schemeClr val="tx1"/>
+    </cs:fontRef>
+    <cs:spPr>
+      <a:ln w="9525" cap="rnd">
+        <a:solidFill>
+          <a:schemeClr val="phClr"/>
+        </a:solidFill>
+        <a:round/>
+      </a:ln>
+    </cs:spPr>
+  </cs:dataPointWireframe>
+  <cs:dataTable>
+    <cs:lnRef idx="0"/>
+    <cs:fillRef idx="0"/>
+    <cs:effectRef idx="0"/>
+    <cs:fontRef idx="minor">
+      <a:schemeClr val="tx1">
+        <a:lumMod val="65000"/>
+        <a:lumOff val="35000"/>
+      </a:schemeClr>
+    </cs:fontRef>
+    <cs:spPr>
+      <a:noFill/>
+      <a:ln w="9525" cap="flat" cmpd="sng" algn="ctr">
+        <a:solidFill>
+          <a:schemeClr val="tx1">
+            <a:lumMod val="15000"/>
+            <a:lumOff val="85000"/>
+          </a:schemeClr>
+        </a:solidFill>
+        <a:round/>
+      </a:ln>
+    </cs:spPr>
+    <cs:defRPr sz="1197" kern="1200"/>
+  </cs:dataTable>
+  <cs:downBar>
+    <cs:lnRef idx="0"/>
+    <cs:fillRef idx="0"/>
+    <cs:effectRef idx="0"/>
+    <cs:fontRef idx="minor">
+      <a:schemeClr val="dk1"/>
+    </cs:fontRef>
+    <cs:spPr>
+      <a:solidFill>
+        <a:schemeClr val="dk1">
+          <a:lumMod val="65000"/>
+          <a:lumOff val="35000"/>
+        </a:schemeClr>
+      </a:solidFill>
+      <a:ln w="9525">
+        <a:solidFill>
+          <a:schemeClr val="tx1">
+            <a:lumMod val="65000"/>
+            <a:lumOff val="35000"/>
+          </a:schemeClr>
+        </a:solidFill>
+      </a:ln>
+    </cs:spPr>
+  </cs:downBar>
+  <cs:dropLine>
+    <cs:lnRef idx="0"/>
+    <cs:fillRef idx="0"/>
+    <cs:effectRef idx="0"/>
+    <cs:fontRef idx="minor">
+      <a:schemeClr val="tx1"/>
+    </cs:fontRef>
+    <cs:spPr>
+      <a:ln w="9525" cap="flat" cmpd="sng" algn="ctr">
+        <a:solidFill>
+          <a:schemeClr val="tx1">
+            <a:lumMod val="35000"/>
+            <a:lumOff val="65000"/>
+          </a:schemeClr>
+        </a:solidFill>
+        <a:round/>
+      </a:ln>
+    </cs:spPr>
+  </cs:dropLine>
+  <cs:errorBar>
+    <cs:lnRef idx="0"/>
+    <cs:fillRef idx="0"/>
+    <cs:effectRef idx="0"/>
+    <cs:fontRef idx="minor">
+      <a:schemeClr val="tx1"/>
+    </cs:fontRef>
+    <cs:spPr>
+      <a:ln w="9525" cap="flat" cmpd="sng" algn="ctr">
+        <a:solidFill>
+          <a:schemeClr val="tx1">
+            <a:lumMod val="65000"/>
+            <a:lumOff val="35000"/>
+          </a:schemeClr>
+        </a:solidFill>
+        <a:round/>
+      </a:ln>
+    </cs:spPr>
+  </cs:errorBar>
+  <cs:floor>
+    <cs:lnRef idx="0"/>
+    <cs:fillRef idx="0"/>
+    <cs:effectRef idx="0"/>
+    <cs:fontRef idx="minor">
+      <a:schemeClr val="tx1"/>
+    </cs:fontRef>
+    <cs:spPr>
+      <a:noFill/>
+      <a:ln>
+        <a:noFill/>
+      </a:ln>
+    </cs:spPr>
+  </cs:floor>
+  <cs:gridlineMajor>
+    <cs:lnRef idx="0"/>
+    <cs:fillRef idx="0"/>
+    <cs:effectRef idx="0"/>
+    <cs:fontRef idx="minor">
+      <a:schemeClr val="tx1"/>
+    </cs:fontRef>
+    <cs:spPr>
+      <a:ln w="9525" cap="flat" cmpd="sng" algn="ctr">
+        <a:solidFill>
+          <a:schemeClr val="tx1">
+            <a:lumMod val="15000"/>
+            <a:lumOff val="85000"/>
+          </a:schemeClr>
+        </a:solidFill>
+        <a:round/>
+      </a:ln>
+    </cs:spPr>
+  </cs:gridlineMajor>
+  <cs:gridlineMinor>
+    <cs:lnRef idx="0"/>
+    <cs:fillRef idx="0"/>
+    <cs:effectRef idx="0"/>
+    <cs:fontRef idx="minor">
+      <a:schemeClr val="tx1"/>
+    </cs:fontRef>
+    <cs:spPr>
+      <a:ln w="9525" cap="flat" cmpd="sng" algn="ctr">
+        <a:solidFill>
+          <a:schemeClr val="tx1">
+            <a:lumMod val="5000"/>
+            <a:lumOff val="95000"/>
+          </a:schemeClr>
+        </a:solidFill>
+        <a:round/>
+      </a:ln>
+    </cs:spPr>
+  </cs:gridlineMinor>
+  <cs:hiLoLine>
+    <cs:lnRef idx="0"/>
+    <cs:fillRef idx="0"/>
+    <cs:effectRef idx="0"/>
+    <cs:fontRef idx="minor">
+      <a:schemeClr val="tx1"/>
+    </cs:fontRef>
+    <cs:spPr>
+      <a:ln w="9525" cap="flat" cmpd="sng" algn="ctr">
+        <a:solidFill>
+          <a:schemeClr val="tx1">
+            <a:lumMod val="75000"/>
+            <a:lumOff val="25000"/>
+          </a:schemeClr>
+        </a:solidFill>
+        <a:round/>
+      </a:ln>
+    </cs:spPr>
+  </cs:hiLoLine>
+  <cs:leaderLine>
+    <cs:lnRef idx="0"/>
+    <cs:fillRef idx="0"/>
+    <cs:effectRef idx="0"/>
+    <cs:fontRef idx="minor">
+      <a:schemeClr val="tx1"/>
+    </cs:fontRef>
+    <cs:spPr>
+      <a:ln w="9525" cap="flat" cmpd="sng" algn="ctr">
+        <a:solidFill>
+          <a:schemeClr val="tx1">
+            <a:lumMod val="35000"/>
+            <a:lumOff val="65000"/>
+          </a:schemeClr>
+        </a:solidFill>
+        <a:round/>
+      </a:ln>
+    </cs:spPr>
+  </cs:leaderLine>
+  <cs:legend>
+    <cs:lnRef idx="0"/>
+    <cs:fillRef idx="0"/>
+    <cs:effectRef idx="0"/>
+    <cs:fontRef idx="minor">
+      <a:schemeClr val="tx1">
+        <a:lumMod val="65000"/>
+        <a:lumOff val="35000"/>
+      </a:schemeClr>
+    </cs:fontRef>
+    <cs:defRPr sz="1197" kern="1200"/>
+  </cs:legend>
+  <cs:plotArea mods="allowNoFillOverride allowNoLineOverride">
+    <cs:lnRef idx="0"/>
+    <cs:fillRef idx="0"/>
+    <cs:effectRef idx="0"/>
+    <cs:fontRef idx="minor">
+      <a:schemeClr val="tx1"/>
+    </cs:fontRef>
+  </cs:plotArea>
+  <cs:plotArea3D mods="allowNoFillOverride allowNoLineOverride">
+    <cs:lnRef idx="0"/>
+    <cs:fillRef idx="0"/>
+    <cs:effectRef idx="0"/>
+    <cs:fontRef idx="minor">
+      <a:schemeClr val="tx1"/>
+    </cs:fontRef>
+  </cs:plotArea3D>
+  <cs:seriesAxis>
+    <cs:lnRef idx="0"/>
+    <cs:fillRef idx="0"/>
+    <cs:effectRef idx="0"/>
+    <cs:fontRef idx="minor">
+      <a:schemeClr val="tx1">
+        <a:lumMod val="65000"/>
+        <a:lumOff val="35000"/>
+      </a:schemeClr>
+    </cs:fontRef>
+    <cs:defRPr sz="1197" kern="1200"/>
+  </cs:seriesAxis>
+  <cs:seriesLine>
+    <cs:lnRef idx="0"/>
+    <cs:fillRef idx="0"/>
+    <cs:effectRef idx="0"/>
+    <cs:fontRef idx="minor">
+      <a:schemeClr val="tx1"/>
+    </cs:fontRef>
+    <cs:spPr>
+      <a:ln w="9525" cap="flat" cmpd="sng" algn="ctr">
+        <a:solidFill>
+          <a:schemeClr val="tx1">
+            <a:lumMod val="35000"/>
+            <a:lumOff val="65000"/>
+          </a:schemeClr>
+        </a:solidFill>
+        <a:round/>
+      </a:ln>
+    </cs:spPr>
+  </cs:seriesLine>
+  <cs:title>
+    <cs:lnRef idx="0"/>
+    <cs:fillRef idx="0"/>
+    <cs:effectRef idx="0"/>
+    <cs:fontRef idx="minor">
+      <a:schemeClr val="tx1">
+        <a:lumMod val="65000"/>
+        <a:lumOff val="35000"/>
+      </a:schemeClr>
+    </cs:fontRef>
+    <cs:defRPr sz="1862" b="0" kern="1200" spc="0" baseline="0"/>
+  </cs:title>
+  <cs:trendline>
+    <cs:lnRef idx="0">
+      <cs:styleClr val="auto"/>
+    </cs:lnRef>
+    <cs:fillRef idx="0"/>
+    <cs:effectRef idx="0"/>
+    <cs:fontRef idx="minor">
+      <a:schemeClr val="tx1"/>
+    </cs:fontRef>
+    <cs:spPr>
+      <a:ln w="19050" cap="rnd">
+        <a:solidFill>
+          <a:schemeClr val="phClr"/>
+        </a:solidFill>
+        <a:prstDash val="sysDot"/>
+      </a:ln>
+    </cs:spPr>
+  </cs:trendline>
+  <cs:trendlineLabel>
+    <cs:lnRef idx="0"/>
+    <cs:fillRef idx="0"/>
+    <cs:effectRef idx="0"/>
+    <cs:fontRef idx="minor">
+      <a:schemeClr val="tx1">
+        <a:lumMod val="65000"/>
+        <a:lumOff val="35000"/>
+      </a:schemeClr>
+    </cs:fontRef>
+    <cs:defRPr sz="1197" kern="1200"/>
+  </cs:trendlineLabel>
+  <cs:upBar>
+    <cs:lnRef idx="0"/>
+    <cs:fillRef idx="0"/>
+    <cs:effectRef idx="0"/>
+    <cs:fontRef idx="minor">
+      <a:schemeClr val="dk1"/>
+    </cs:fontRef>
+    <cs:spPr>
+      <a:solidFill>
+        <a:schemeClr val="lt1"/>
+      </a:solidFill>
+      <a:ln w="9525">
+        <a:solidFill>
+          <a:schemeClr val="tx1">
+            <a:lumMod val="15000"/>
+            <a:lumOff val="85000"/>
+          </a:schemeClr>
+        </a:solidFill>
+      </a:ln>
+    </cs:spPr>
+  </cs:upBar>
+  <cs:valueAxis>
+    <cs:lnRef idx="0"/>
+    <cs:fillRef idx="0"/>
+    <cs:effectRef idx="0"/>
+    <cs:fontRef idx="minor">
+      <a:schemeClr val="tx1">
+        <a:lumMod val="65000"/>
+        <a:lumOff val="35000"/>
+      </a:schemeClr>
+    </cs:fontRef>
+    <cs:defRPr sz="1197" kern="1200"/>
+  </cs:valueAxis>
+  <cs:wall>
+    <cs:lnRef idx="0"/>
+    <cs:fillRef idx="0"/>
+    <cs:effectRef idx="0"/>
+    <cs:fontRef idx="minor">
+      <a:schemeClr val="tx1"/>
+    </cs:fontRef>
+    <cs:spPr>
+      <a:noFill/>
+      <a:ln>
+        <a:noFill/>
+      </a:ln>
+    </cs:spPr>
+  </cs:wall>
+</cs:chartStyle>
 </file>
 
 <file path=ppt/notesMasters/notesMaster1.xml><?xml version="1.0" encoding="utf-8"?>
@@ -1396,7 +2267,7 @@
           <a:p>
             <a:fld id="{B93B6D96-981E-4F4B-B869-255C2E8EDD21}" type="datetimeFigureOut">
               <a:rPr lang="en-GB" smtClean="0"/>
-              <a:t>17/01/2022</a:t>
+              <a:t>19/01/2022</a:t>
             </a:fld>
             <a:endParaRPr lang="en-GB"/>
           </a:p>
@@ -2074,7 +2945,7 @@
     </p:spTree>
     <p:extLst>
       <p:ext uri="{BB962C8B-B14F-4D97-AF65-F5344CB8AC3E}">
-        <p14:creationId xmlns:p14="http://schemas.microsoft.com/office/powerpoint/2010/main" val="2109309886"/>
+        <p14:creationId xmlns:p14="http://schemas.microsoft.com/office/powerpoint/2010/main" val="1821247565"/>
       </p:ext>
     </p:extLst>
   </p:cSld>
@@ -2247,7 +3118,7 @@
           <a:p>
             <a:fld id="{91388497-2D58-4089-BB31-93C7EAC191A4}" type="datetimeFigureOut">
               <a:rPr lang="en-GB" smtClean="0"/>
-              <a:t>17/01/2022</a:t>
+              <a:t>19/01/2022</a:t>
             </a:fld>
             <a:endParaRPr lang="en-GB"/>
           </a:p>
@@ -2417,7 +3288,7 @@
           <a:p>
             <a:fld id="{91388497-2D58-4089-BB31-93C7EAC191A4}" type="datetimeFigureOut">
               <a:rPr lang="en-GB" smtClean="0"/>
-              <a:t>17/01/2022</a:t>
+              <a:t>19/01/2022</a:t>
             </a:fld>
             <a:endParaRPr lang="en-GB"/>
           </a:p>
@@ -2597,7 +3468,7 @@
           <a:p>
             <a:fld id="{91388497-2D58-4089-BB31-93C7EAC191A4}" type="datetimeFigureOut">
               <a:rPr lang="en-GB" smtClean="0"/>
-              <a:t>17/01/2022</a:t>
+              <a:t>19/01/2022</a:t>
             </a:fld>
             <a:endParaRPr lang="en-GB"/>
           </a:p>
@@ -2767,7 +3638,7 @@
           <a:p>
             <a:fld id="{91388497-2D58-4089-BB31-93C7EAC191A4}" type="datetimeFigureOut">
               <a:rPr lang="en-GB" smtClean="0"/>
-              <a:t>17/01/2022</a:t>
+              <a:t>19/01/2022</a:t>
             </a:fld>
             <a:endParaRPr lang="en-GB"/>
           </a:p>
@@ -3035,7 +3906,7 @@
           <a:p>
             <a:fld id="{91388497-2D58-4089-BB31-93C7EAC191A4}" type="datetimeFigureOut">
               <a:rPr lang="en-GB" smtClean="0"/>
-              <a:t>17/01/2022</a:t>
+              <a:t>19/01/2022</a:t>
             </a:fld>
             <a:endParaRPr lang="en-GB"/>
           </a:p>
@@ -3267,7 +4138,7 @@
           <a:p>
             <a:fld id="{91388497-2D58-4089-BB31-93C7EAC191A4}" type="datetimeFigureOut">
               <a:rPr lang="en-GB" smtClean="0"/>
-              <a:t>17/01/2022</a:t>
+              <a:t>19/01/2022</a:t>
             </a:fld>
             <a:endParaRPr lang="en-GB"/>
           </a:p>
@@ -3626,7 +4497,7 @@
           <a:p>
             <a:fld id="{91388497-2D58-4089-BB31-93C7EAC191A4}" type="datetimeFigureOut">
               <a:rPr lang="en-GB" smtClean="0"/>
-              <a:t>17/01/2022</a:t>
+              <a:t>19/01/2022</a:t>
             </a:fld>
             <a:endParaRPr lang="en-GB"/>
           </a:p>
@@ -3767,7 +4638,7 @@
           <a:p>
             <a:fld id="{91388497-2D58-4089-BB31-93C7EAC191A4}" type="datetimeFigureOut">
               <a:rPr lang="en-GB" smtClean="0"/>
-              <a:t>17/01/2022</a:t>
+              <a:t>19/01/2022</a:t>
             </a:fld>
             <a:endParaRPr lang="en-GB"/>
           </a:p>
@@ -3862,7 +4733,7 @@
           <a:p>
             <a:fld id="{91388497-2D58-4089-BB31-93C7EAC191A4}" type="datetimeFigureOut">
               <a:rPr lang="en-GB" smtClean="0"/>
-              <a:t>17/01/2022</a:t>
+              <a:t>19/01/2022</a:t>
             </a:fld>
             <a:endParaRPr lang="en-GB"/>
           </a:p>
@@ -4219,7 +5090,7 @@
           <a:p>
             <a:fld id="{91388497-2D58-4089-BB31-93C7EAC191A4}" type="datetimeFigureOut">
               <a:rPr lang="en-GB" smtClean="0"/>
-              <a:t>17/01/2022</a:t>
+              <a:t>19/01/2022</a:t>
             </a:fld>
             <a:endParaRPr lang="en-GB"/>
           </a:p>
@@ -4576,7 +5447,7 @@
           <a:p>
             <a:fld id="{91388497-2D58-4089-BB31-93C7EAC191A4}" type="datetimeFigureOut">
               <a:rPr lang="en-GB" smtClean="0"/>
-              <a:t>17/01/2022</a:t>
+              <a:t>19/01/2022</a:t>
             </a:fld>
             <a:endParaRPr lang="en-GB"/>
           </a:p>
@@ -4818,7 +5689,7 @@
           <a:p>
             <a:fld id="{91388497-2D58-4089-BB31-93C7EAC191A4}" type="datetimeFigureOut">
               <a:rPr lang="en-GB" smtClean="0"/>
-              <a:t>17/01/2022</a:t>
+              <a:t>19/01/2022</a:t>
             </a:fld>
             <a:endParaRPr lang="en-GB"/>
           </a:p>
@@ -5365,21 +6236,84 @@
           <a:chExt cx="0" cy="0"/>
         </a:xfrm>
       </p:grpSpPr>
+      <p:sp>
+        <p:nvSpPr>
+          <p:cNvPr id="2" name="Title 1">
+            <a:extLst>
+              <a:ext uri="{FF2B5EF4-FFF2-40B4-BE49-F238E27FC236}">
+                <a16:creationId xmlns:a16="http://schemas.microsoft.com/office/drawing/2014/main" id="{E4C503B0-45A1-4D55-B447-B2A8AB1441BD}"/>
+              </a:ext>
+            </a:extLst>
+          </p:cNvPr>
+          <p:cNvSpPr>
+            <a:spLocks noGrp="1"/>
+          </p:cNvSpPr>
+          <p:nvPr>
+            <p:ph type="title"/>
+          </p:nvPr>
+        </p:nvSpPr>
+        <p:spPr/>
+        <p:txBody>
+          <a:bodyPr/>
+          <a:lstStyle/>
+          <a:p>
+            <a:r>
+              <a:rPr lang="en-GB" dirty="0"/>
+              <a:t>ERROR</a:t>
+            </a:r>
+          </a:p>
+        </p:txBody>
+      </p:sp>
+      <p:sp>
+        <p:nvSpPr>
+          <p:cNvPr id="3" name="Content Placeholder 2">
+            <a:extLst>
+              <a:ext uri="{FF2B5EF4-FFF2-40B4-BE49-F238E27FC236}">
+                <a16:creationId xmlns:a16="http://schemas.microsoft.com/office/drawing/2014/main" id="{8A4D3A2F-CFEA-4BCA-A900-E7E968336601}"/>
+              </a:ext>
+            </a:extLst>
+          </p:cNvPr>
+          <p:cNvSpPr>
+            <a:spLocks noGrp="1"/>
+          </p:cNvSpPr>
+          <p:nvPr>
+            <p:ph idx="1"/>
+          </p:nvPr>
+        </p:nvSpPr>
+        <p:spPr/>
+        <p:txBody>
+          <a:bodyPr/>
+          <a:lstStyle/>
+          <a:p>
+            <a:r>
+              <a:rPr lang="en-GB" dirty="0"/>
+              <a:t>Error was calculated at each point, using the difference / expected formula.</a:t>
+            </a:r>
+          </a:p>
+          <a:p>
+            <a:r>
+              <a:rPr lang="en-GB" dirty="0"/>
+              <a:t>The error at each timestep was averaged out, and a score was reported for both the No-Noise Model and the Noise Model.</a:t>
+            </a:r>
+          </a:p>
+          <a:p>
+            <a:endParaRPr lang="en-GB" dirty="0"/>
+          </a:p>
+        </p:txBody>
+      </p:sp>
       <p:pic>
         <p:nvPicPr>
-          <p:cNvPr id="9" name="Content Placeholder 8">
+          <p:cNvPr id="5" name="Picture 4">
             <a:extLst>
               <a:ext uri="{FF2B5EF4-FFF2-40B4-BE49-F238E27FC236}">
-                <a16:creationId xmlns:a16="http://schemas.microsoft.com/office/drawing/2014/main" id="{5AED2160-C2FF-45DD-A441-6D1815F63D5A}"/>
+                <a16:creationId xmlns:a16="http://schemas.microsoft.com/office/drawing/2014/main" id="{3D3ADFA0-0927-4103-B669-E7DB78E11D69}"/>
               </a:ext>
             </a:extLst>
           </p:cNvPr>
           <p:cNvPicPr>
-            <a:picLocks noGrp="1" noChangeAspect="1"/>
+            <a:picLocks noChangeAspect="1"/>
           </p:cNvPicPr>
-          <p:nvPr>
-            <p:ph idx="1"/>
-          </p:nvPr>
+          <p:nvPr/>
         </p:nvPicPr>
         <p:blipFill>
           <a:blip r:embed="rId2">
@@ -5395,15 +6329,18 @@
         </p:blipFill>
         <p:spPr>
           <a:xfrm>
-            <a:off x="852452" y="399738"/>
-            <a:ext cx="10204324" cy="6058524"/>
+            <a:off x="2786098" y="3946616"/>
+            <a:ext cx="6619803" cy="1026601"/>
           </a:xfrm>
+          <a:prstGeom prst="rect">
+            <a:avLst/>
+          </a:prstGeom>
         </p:spPr>
       </p:pic>
     </p:spTree>
     <p:extLst>
       <p:ext uri="{BB962C8B-B14F-4D97-AF65-F5344CB8AC3E}">
-        <p14:creationId xmlns:p14="http://schemas.microsoft.com/office/powerpoint/2010/main" val="3634514083"/>
+        <p14:creationId xmlns:p14="http://schemas.microsoft.com/office/powerpoint/2010/main" val="722652140"/>
       </p:ext>
     </p:extLst>
   </p:cSld>
@@ -5414,152 +6351,6 @@
 </file>
 
 <file path=ppt/slides/slide11.xml><?xml version="1.0" encoding="utf-8"?>
-<p:sld xmlns:a="http://schemas.openxmlformats.org/drawingml/2006/main" xmlns:r="http://schemas.openxmlformats.org/officeDocument/2006/relationships" xmlns:p="http://schemas.openxmlformats.org/presentationml/2006/main">
-  <p:cSld>
-    <p:spTree>
-      <p:nvGrpSpPr>
-        <p:cNvPr id="1" name=""/>
-        <p:cNvGrpSpPr/>
-        <p:nvPr/>
-      </p:nvGrpSpPr>
-      <p:grpSpPr>
-        <a:xfrm>
-          <a:off x="0" y="0"/>
-          <a:ext cx="0" cy="0"/>
-          <a:chOff x="0" y="0"/>
-          <a:chExt cx="0" cy="0"/>
-        </a:xfrm>
-      </p:grpSpPr>
-      <p:graphicFrame>
-        <p:nvGraphicFramePr>
-          <p:cNvPr id="3" name="Content Placeholder 14">
-            <a:extLst>
-              <a:ext uri="{FF2B5EF4-FFF2-40B4-BE49-F238E27FC236}">
-                <a16:creationId xmlns:a16="http://schemas.microsoft.com/office/drawing/2014/main" id="{A3478C99-1257-4199-A212-EED367C4CD95}"/>
-              </a:ext>
-            </a:extLst>
-          </p:cNvPr>
-          <p:cNvGraphicFramePr>
-            <a:graphicFrameLocks/>
-          </p:cNvGraphicFramePr>
-          <p:nvPr/>
-        </p:nvGraphicFramePr>
-        <p:xfrm>
-          <a:off x="243840" y="314960"/>
-          <a:ext cx="11694160" cy="6309359"/>
-        </p:xfrm>
-        <a:graphic>
-          <a:graphicData uri="http://schemas.openxmlformats.org/drawingml/2006/chart">
-            <c:chart xmlns:c="http://schemas.openxmlformats.org/drawingml/2006/chart" xmlns:r="http://schemas.openxmlformats.org/officeDocument/2006/relationships" r:id="rId3"/>
-          </a:graphicData>
-        </a:graphic>
-      </p:graphicFrame>
-    </p:spTree>
-    <p:extLst>
-      <p:ext uri="{BB962C8B-B14F-4D97-AF65-F5344CB8AC3E}">
-        <p14:creationId xmlns:p14="http://schemas.microsoft.com/office/powerpoint/2010/main" val="3990401172"/>
-      </p:ext>
-    </p:extLst>
-  </p:cSld>
-  <p:clrMapOvr>
-    <a:masterClrMapping/>
-  </p:clrMapOvr>
-</p:sld>
-</file>
-
-<file path=ppt/slides/slide2.xml><?xml version="1.0" encoding="utf-8"?>
-<p:sld xmlns:a="http://schemas.openxmlformats.org/drawingml/2006/main" xmlns:r="http://schemas.openxmlformats.org/officeDocument/2006/relationships" xmlns:p="http://schemas.openxmlformats.org/presentationml/2006/main">
-  <p:cSld>
-    <p:spTree>
-      <p:nvGrpSpPr>
-        <p:cNvPr id="1" name=""/>
-        <p:cNvGrpSpPr/>
-        <p:nvPr/>
-      </p:nvGrpSpPr>
-      <p:grpSpPr>
-        <a:xfrm>
-          <a:off x="0" y="0"/>
-          <a:ext cx="0" cy="0"/>
-          <a:chOff x="0" y="0"/>
-          <a:chExt cx="0" cy="0"/>
-        </a:xfrm>
-      </p:grpSpPr>
-      <p:sp>
-        <p:nvSpPr>
-          <p:cNvPr id="2" name="Title 1">
-            <a:extLst>
-              <a:ext uri="{FF2B5EF4-FFF2-40B4-BE49-F238E27FC236}">
-                <a16:creationId xmlns:a16="http://schemas.microsoft.com/office/drawing/2014/main" id="{E4C503B0-45A1-4D55-B447-B2A8AB1441BD}"/>
-              </a:ext>
-            </a:extLst>
-          </p:cNvPr>
-          <p:cNvSpPr>
-            <a:spLocks noGrp="1"/>
-          </p:cNvSpPr>
-          <p:nvPr>
-            <p:ph type="title"/>
-          </p:nvPr>
-        </p:nvSpPr>
-        <p:spPr/>
-        <p:txBody>
-          <a:bodyPr/>
-          <a:lstStyle/>
-          <a:p>
-            <a:r>
-              <a:rPr lang="en-GB" dirty="0"/>
-              <a:t>SAMPLING CONSIDERATIONS</a:t>
-            </a:r>
-          </a:p>
-        </p:txBody>
-      </p:sp>
-      <p:sp>
-        <p:nvSpPr>
-          <p:cNvPr id="3" name="Content Placeholder 2">
-            <a:extLst>
-              <a:ext uri="{FF2B5EF4-FFF2-40B4-BE49-F238E27FC236}">
-                <a16:creationId xmlns:a16="http://schemas.microsoft.com/office/drawing/2014/main" id="{8A4D3A2F-CFEA-4BCA-A900-E7E968336601}"/>
-              </a:ext>
-            </a:extLst>
-          </p:cNvPr>
-          <p:cNvSpPr>
-            <a:spLocks noGrp="1"/>
-          </p:cNvSpPr>
-          <p:nvPr>
-            <p:ph idx="1"/>
-          </p:nvPr>
-        </p:nvSpPr>
-        <p:spPr/>
-        <p:txBody>
-          <a:bodyPr/>
-          <a:lstStyle/>
-          <a:p>
-            <a:r>
-              <a:rPr lang="en-GB" dirty="0"/>
-              <a:t>Realistic Lab Sampling Rate -&gt; Once every 30 minutes or 48 times a day.</a:t>
-            </a:r>
-          </a:p>
-          <a:p>
-            <a:r>
-              <a:rPr lang="en-GB" dirty="0"/>
-              <a:t>Over 2 days that would be 96 samples. Rounded to 100 for simplicity.</a:t>
-            </a:r>
-          </a:p>
-        </p:txBody>
-      </p:sp>
-    </p:spTree>
-    <p:extLst>
-      <p:ext uri="{BB962C8B-B14F-4D97-AF65-F5344CB8AC3E}">
-        <p14:creationId xmlns:p14="http://schemas.microsoft.com/office/powerpoint/2010/main" val="584282249"/>
-      </p:ext>
-    </p:extLst>
-  </p:cSld>
-  <p:clrMapOvr>
-    <a:masterClrMapping/>
-  </p:clrMapOvr>
-</p:sld>
-</file>
-
-<file path=ppt/slides/slide3.xml><?xml version="1.0" encoding="utf-8"?>
 <p:sld xmlns:a="http://schemas.openxmlformats.org/drawingml/2006/main" xmlns:r="http://schemas.openxmlformats.org/officeDocument/2006/relationships" xmlns:p="http://schemas.openxmlformats.org/presentationml/2006/main">
   <p:cSld>
     <p:spTree>
@@ -5909,6 +6700,709 @@
           </a:p>
         </p:txBody>
       </p:sp>
+      <p:pic>
+        <p:nvPicPr>
+          <p:cNvPr id="4" name="Picture 3">
+            <a:extLst>
+              <a:ext uri="{FF2B5EF4-FFF2-40B4-BE49-F238E27FC236}">
+                <a16:creationId xmlns:a16="http://schemas.microsoft.com/office/drawing/2014/main" id="{D2E92228-B7F5-4F19-9885-EDDEB230FFF8}"/>
+              </a:ext>
+            </a:extLst>
+          </p:cNvPr>
+          <p:cNvPicPr>
+            <a:picLocks noChangeAspect="1"/>
+          </p:cNvPicPr>
+          <p:nvPr/>
+        </p:nvPicPr>
+        <p:blipFill rotWithShape="1">
+          <a:blip r:embed="rId6">
+            <a:extLst>
+              <a:ext uri="{28A0092B-C50C-407E-A947-70E740481C1C}">
+                <a14:useLocalDpi xmlns:a14="http://schemas.microsoft.com/office/drawing/2010/main" val="0"/>
+              </a:ext>
+            </a:extLst>
+          </a:blip>
+          <a:srcRect t="28134"/>
+          <a:stretch/>
+        </p:blipFill>
+        <p:spPr>
+          <a:xfrm>
+            <a:off x="163153" y="6193451"/>
+            <a:ext cx="5593835" cy="366493"/>
+          </a:xfrm>
+          <a:prstGeom prst="rect">
+            <a:avLst/>
+          </a:prstGeom>
+        </p:spPr>
+      </p:pic>
+      <p:pic>
+        <p:nvPicPr>
+          <p:cNvPr id="14" name="Picture 13">
+            <a:extLst>
+              <a:ext uri="{FF2B5EF4-FFF2-40B4-BE49-F238E27FC236}">
+                <a16:creationId xmlns:a16="http://schemas.microsoft.com/office/drawing/2014/main" id="{D1CC102E-9F44-464F-B62D-08609E215604}"/>
+              </a:ext>
+            </a:extLst>
+          </p:cNvPr>
+          <p:cNvPicPr>
+            <a:picLocks noChangeAspect="1"/>
+          </p:cNvPicPr>
+          <p:nvPr/>
+        </p:nvPicPr>
+        <p:blipFill>
+          <a:blip r:embed="rId7">
+            <a:extLst>
+              <a:ext uri="{28A0092B-C50C-407E-A947-70E740481C1C}">
+                <a14:useLocalDpi xmlns:a14="http://schemas.microsoft.com/office/drawing/2010/main" val="0"/>
+              </a:ext>
+            </a:extLst>
+          </a:blip>
+          <a:srcRect/>
+          <a:stretch/>
+        </p:blipFill>
+        <p:spPr>
+          <a:xfrm>
+            <a:off x="5756988" y="6193451"/>
+            <a:ext cx="6317080" cy="366493"/>
+          </a:xfrm>
+          <a:prstGeom prst="rect">
+            <a:avLst/>
+          </a:prstGeom>
+        </p:spPr>
+      </p:pic>
+    </p:spTree>
+    <p:extLst>
+      <p:ext uri="{BB962C8B-B14F-4D97-AF65-F5344CB8AC3E}">
+        <p14:creationId xmlns:p14="http://schemas.microsoft.com/office/powerpoint/2010/main" val="2360110973"/>
+      </p:ext>
+    </p:extLst>
+  </p:cSld>
+  <p:clrMapOvr>
+    <a:masterClrMapping/>
+  </p:clrMapOvr>
+</p:sld>
+</file>
+
+<file path=ppt/slides/slide12.xml><?xml version="1.0" encoding="utf-8"?>
+<p:sld xmlns:a="http://schemas.openxmlformats.org/drawingml/2006/main" xmlns:r="http://schemas.openxmlformats.org/officeDocument/2006/relationships" xmlns:p="http://schemas.openxmlformats.org/presentationml/2006/main">
+  <p:cSld>
+    <p:spTree>
+      <p:nvGrpSpPr>
+        <p:cNvPr id="1" name=""/>
+        <p:cNvGrpSpPr/>
+        <p:nvPr/>
+      </p:nvGrpSpPr>
+      <p:grpSpPr>
+        <a:xfrm>
+          <a:off x="0" y="0"/>
+          <a:ext cx="0" cy="0"/>
+          <a:chOff x="0" y="0"/>
+          <a:chExt cx="0" cy="0"/>
+        </a:xfrm>
+      </p:grpSpPr>
+      <p:sp>
+        <p:nvSpPr>
+          <p:cNvPr id="2" name="Title 1">
+            <a:extLst>
+              <a:ext uri="{FF2B5EF4-FFF2-40B4-BE49-F238E27FC236}">
+                <a16:creationId xmlns:a16="http://schemas.microsoft.com/office/drawing/2014/main" id="{FA84EEE6-4023-4BE5-80FA-096891AD188B}"/>
+              </a:ext>
+            </a:extLst>
+          </p:cNvPr>
+          <p:cNvSpPr>
+            <a:spLocks noGrp="1"/>
+          </p:cNvSpPr>
+          <p:nvPr>
+            <p:ph type="title"/>
+          </p:nvPr>
+        </p:nvSpPr>
+        <p:spPr/>
+        <p:txBody>
+          <a:bodyPr/>
+          <a:lstStyle/>
+          <a:p>
+            <a:r>
+              <a:rPr lang="en-GB" dirty="0"/>
+              <a:t>ERROR ANALYSIS (FOR 100 TIMEPOINTS)</a:t>
+            </a:r>
+          </a:p>
+        </p:txBody>
+      </p:sp>
+      <p:graphicFrame>
+        <p:nvGraphicFramePr>
+          <p:cNvPr id="6" name="Content Placeholder 5">
+            <a:extLst>
+              <a:ext uri="{FF2B5EF4-FFF2-40B4-BE49-F238E27FC236}">
+                <a16:creationId xmlns:a16="http://schemas.microsoft.com/office/drawing/2014/main" id="{C25A93E4-0B83-41AB-A16F-02104AA10F6C}"/>
+              </a:ext>
+            </a:extLst>
+          </p:cNvPr>
+          <p:cNvGraphicFramePr>
+            <a:graphicFrameLocks noGrp="1"/>
+          </p:cNvGraphicFramePr>
+          <p:nvPr>
+            <p:ph idx="1"/>
+            <p:extLst>
+              <p:ext uri="{D42A27DB-BD31-4B8C-83A1-F6EECF244321}">
+                <p14:modId xmlns:p14="http://schemas.microsoft.com/office/powerpoint/2010/main" val="3530783818"/>
+              </p:ext>
+            </p:extLst>
+          </p:nvPr>
+        </p:nvGraphicFramePr>
+        <p:xfrm>
+          <a:off x="988979" y="2153412"/>
+          <a:ext cx="10214042" cy="4708187"/>
+        </p:xfrm>
+        <a:graphic>
+          <a:graphicData uri="http://schemas.openxmlformats.org/drawingml/2006/chart">
+            <c:chart xmlns:c="http://schemas.openxmlformats.org/drawingml/2006/chart" xmlns:r="http://schemas.openxmlformats.org/officeDocument/2006/relationships" r:id="rId2"/>
+          </a:graphicData>
+        </a:graphic>
+      </p:graphicFrame>
+    </p:spTree>
+    <p:extLst>
+      <p:ext uri="{BB962C8B-B14F-4D97-AF65-F5344CB8AC3E}">
+        <p14:creationId xmlns:p14="http://schemas.microsoft.com/office/powerpoint/2010/main" val="1577023029"/>
+      </p:ext>
+    </p:extLst>
+  </p:cSld>
+  <p:clrMapOvr>
+    <a:masterClrMapping/>
+  </p:clrMapOvr>
+</p:sld>
+</file>
+
+<file path=ppt/slides/slide13.xml><?xml version="1.0" encoding="utf-8"?>
+<p:sld xmlns:a="http://schemas.openxmlformats.org/drawingml/2006/main" xmlns:r="http://schemas.openxmlformats.org/officeDocument/2006/relationships" xmlns:p="http://schemas.openxmlformats.org/presentationml/2006/main">
+  <p:cSld>
+    <p:spTree>
+      <p:nvGrpSpPr>
+        <p:cNvPr id="1" name=""/>
+        <p:cNvGrpSpPr/>
+        <p:nvPr/>
+      </p:nvGrpSpPr>
+      <p:grpSpPr>
+        <a:xfrm>
+          <a:off x="0" y="0"/>
+          <a:ext cx="0" cy="0"/>
+          <a:chOff x="0" y="0"/>
+          <a:chExt cx="0" cy="0"/>
+        </a:xfrm>
+      </p:grpSpPr>
+      <p:sp>
+        <p:nvSpPr>
+          <p:cNvPr id="2" name="Title 1">
+            <a:extLst>
+              <a:ext uri="{FF2B5EF4-FFF2-40B4-BE49-F238E27FC236}">
+                <a16:creationId xmlns:a16="http://schemas.microsoft.com/office/drawing/2014/main" id="{FA84EEE6-4023-4BE5-80FA-096891AD188B}"/>
+              </a:ext>
+            </a:extLst>
+          </p:cNvPr>
+          <p:cNvSpPr>
+            <a:spLocks noGrp="1"/>
+          </p:cNvSpPr>
+          <p:nvPr>
+            <p:ph type="title"/>
+          </p:nvPr>
+        </p:nvSpPr>
+        <p:spPr/>
+        <p:txBody>
+          <a:bodyPr/>
+          <a:lstStyle/>
+          <a:p>
+            <a:r>
+              <a:rPr lang="en-GB" dirty="0"/>
+              <a:t>ERROR ANALYSIS (FOR 90-10 IC)</a:t>
+            </a:r>
+          </a:p>
+        </p:txBody>
+      </p:sp>
+      <p:graphicFrame>
+        <p:nvGraphicFramePr>
+          <p:cNvPr id="6" name="Content Placeholder 5">
+            <a:extLst>
+              <a:ext uri="{FF2B5EF4-FFF2-40B4-BE49-F238E27FC236}">
+                <a16:creationId xmlns:a16="http://schemas.microsoft.com/office/drawing/2014/main" id="{C25A93E4-0B83-41AB-A16F-02104AA10F6C}"/>
+              </a:ext>
+            </a:extLst>
+          </p:cNvPr>
+          <p:cNvGraphicFramePr>
+            <a:graphicFrameLocks noGrp="1"/>
+          </p:cNvGraphicFramePr>
+          <p:nvPr>
+            <p:ph idx="1"/>
+            <p:extLst>
+              <p:ext uri="{D42A27DB-BD31-4B8C-83A1-F6EECF244321}">
+                <p14:modId xmlns:p14="http://schemas.microsoft.com/office/powerpoint/2010/main" val="1769943711"/>
+              </p:ext>
+            </p:extLst>
+          </p:nvPr>
+        </p:nvGraphicFramePr>
+        <p:xfrm>
+          <a:off x="988979" y="2153412"/>
+          <a:ext cx="10214042" cy="4708187"/>
+        </p:xfrm>
+        <a:graphic>
+          <a:graphicData uri="http://schemas.openxmlformats.org/drawingml/2006/chart">
+            <c:chart xmlns:c="http://schemas.openxmlformats.org/drawingml/2006/chart" xmlns:r="http://schemas.openxmlformats.org/officeDocument/2006/relationships" r:id="rId2"/>
+          </a:graphicData>
+        </a:graphic>
+      </p:graphicFrame>
+    </p:spTree>
+    <p:extLst>
+      <p:ext uri="{BB962C8B-B14F-4D97-AF65-F5344CB8AC3E}">
+        <p14:creationId xmlns:p14="http://schemas.microsoft.com/office/powerpoint/2010/main" val="3258375561"/>
+      </p:ext>
+    </p:extLst>
+  </p:cSld>
+  <p:clrMapOvr>
+    <a:masterClrMapping/>
+  </p:clrMapOvr>
+</p:sld>
+</file>
+
+<file path=ppt/slides/slide2.xml><?xml version="1.0" encoding="utf-8"?>
+<p:sld xmlns:a="http://schemas.openxmlformats.org/drawingml/2006/main" xmlns:r="http://schemas.openxmlformats.org/officeDocument/2006/relationships" xmlns:p="http://schemas.openxmlformats.org/presentationml/2006/main">
+  <p:cSld>
+    <p:spTree>
+      <p:nvGrpSpPr>
+        <p:cNvPr id="1" name=""/>
+        <p:cNvGrpSpPr/>
+        <p:nvPr/>
+      </p:nvGrpSpPr>
+      <p:grpSpPr>
+        <a:xfrm>
+          <a:off x="0" y="0"/>
+          <a:ext cx="0" cy="0"/>
+          <a:chOff x="0" y="0"/>
+          <a:chExt cx="0" cy="0"/>
+        </a:xfrm>
+      </p:grpSpPr>
+      <p:sp>
+        <p:nvSpPr>
+          <p:cNvPr id="2" name="Title 1">
+            <a:extLst>
+              <a:ext uri="{FF2B5EF4-FFF2-40B4-BE49-F238E27FC236}">
+                <a16:creationId xmlns:a16="http://schemas.microsoft.com/office/drawing/2014/main" id="{E4C503B0-45A1-4D55-B447-B2A8AB1441BD}"/>
+              </a:ext>
+            </a:extLst>
+          </p:cNvPr>
+          <p:cNvSpPr>
+            <a:spLocks noGrp="1"/>
+          </p:cNvSpPr>
+          <p:nvPr>
+            <p:ph type="title"/>
+          </p:nvPr>
+        </p:nvSpPr>
+        <p:spPr/>
+        <p:txBody>
+          <a:bodyPr/>
+          <a:lstStyle/>
+          <a:p>
+            <a:r>
+              <a:rPr lang="en-GB" dirty="0"/>
+              <a:t>SAMPLING CONSIDERATIONS</a:t>
+            </a:r>
+          </a:p>
+        </p:txBody>
+      </p:sp>
+      <p:sp>
+        <p:nvSpPr>
+          <p:cNvPr id="3" name="Content Placeholder 2">
+            <a:extLst>
+              <a:ext uri="{FF2B5EF4-FFF2-40B4-BE49-F238E27FC236}">
+                <a16:creationId xmlns:a16="http://schemas.microsoft.com/office/drawing/2014/main" id="{8A4D3A2F-CFEA-4BCA-A900-E7E968336601}"/>
+              </a:ext>
+            </a:extLst>
+          </p:cNvPr>
+          <p:cNvSpPr>
+            <a:spLocks noGrp="1"/>
+          </p:cNvSpPr>
+          <p:nvPr>
+            <p:ph idx="1"/>
+          </p:nvPr>
+        </p:nvSpPr>
+        <p:spPr/>
+        <p:txBody>
+          <a:bodyPr/>
+          <a:lstStyle/>
+          <a:p>
+            <a:r>
+              <a:rPr lang="en-GB" dirty="0"/>
+              <a:t>Realistic Lab Sampling Rate -&gt; Once every 30 minutes or 48 times a day.</a:t>
+            </a:r>
+          </a:p>
+          <a:p>
+            <a:r>
+              <a:rPr lang="en-GB" dirty="0"/>
+              <a:t>Over 2 days that would be 96 samples. Rounded to 100 for simplicity.</a:t>
+            </a:r>
+          </a:p>
+        </p:txBody>
+      </p:sp>
+    </p:spTree>
+    <p:extLst>
+      <p:ext uri="{BB962C8B-B14F-4D97-AF65-F5344CB8AC3E}">
+        <p14:creationId xmlns:p14="http://schemas.microsoft.com/office/powerpoint/2010/main" val="584282249"/>
+      </p:ext>
+    </p:extLst>
+  </p:cSld>
+  <p:clrMapOvr>
+    <a:masterClrMapping/>
+  </p:clrMapOvr>
+</p:sld>
+</file>
+
+<file path=ppt/slides/slide3.xml><?xml version="1.0" encoding="utf-8"?>
+<p:sld xmlns:a="http://schemas.openxmlformats.org/drawingml/2006/main" xmlns:r="http://schemas.openxmlformats.org/officeDocument/2006/relationships" xmlns:p="http://schemas.openxmlformats.org/presentationml/2006/main">
+  <p:cSld>
+    <p:spTree>
+      <p:nvGrpSpPr>
+        <p:cNvPr id="1" name=""/>
+        <p:cNvGrpSpPr/>
+        <p:nvPr/>
+      </p:nvGrpSpPr>
+      <p:grpSpPr>
+        <a:xfrm>
+          <a:off x="0" y="0"/>
+          <a:ext cx="0" cy="0"/>
+          <a:chOff x="0" y="0"/>
+          <a:chExt cx="0" cy="0"/>
+        </a:xfrm>
+      </p:grpSpPr>
+      <p:sp>
+        <p:nvSpPr>
+          <p:cNvPr id="2" name="Title 1">
+            <a:extLst>
+              <a:ext uri="{FF2B5EF4-FFF2-40B4-BE49-F238E27FC236}">
+                <a16:creationId xmlns:a16="http://schemas.microsoft.com/office/drawing/2014/main" id="{E4C503B0-45A1-4D55-B447-B2A8AB1441BD}"/>
+              </a:ext>
+            </a:extLst>
+          </p:cNvPr>
+          <p:cNvSpPr>
+            <a:spLocks noGrp="1"/>
+          </p:cNvSpPr>
+          <p:nvPr>
+            <p:ph type="title"/>
+          </p:nvPr>
+        </p:nvSpPr>
+        <p:spPr/>
+        <p:txBody>
+          <a:bodyPr/>
+          <a:lstStyle/>
+          <a:p>
+            <a:r>
+              <a:rPr lang="en-GB" dirty="0"/>
+              <a:t>90-10 @ 0.01 </a:t>
+            </a:r>
+            <a:r>
+              <a:rPr lang="en-GB" dirty="0" err="1"/>
+              <a:t>s.d.</a:t>
+            </a:r>
+            <a:endParaRPr lang="en-GB" dirty="0"/>
+          </a:p>
+        </p:txBody>
+      </p:sp>
+      <p:pic>
+        <p:nvPicPr>
+          <p:cNvPr id="5" name="Content Placeholder 4">
+            <a:extLst>
+              <a:ext uri="{FF2B5EF4-FFF2-40B4-BE49-F238E27FC236}">
+                <a16:creationId xmlns:a16="http://schemas.microsoft.com/office/drawing/2014/main" id="{F3360F27-4EE8-4382-BB5C-EA08BEBABE74}"/>
+              </a:ext>
+            </a:extLst>
+          </p:cNvPr>
+          <p:cNvPicPr>
+            <a:picLocks noGrp="1" noChangeAspect="1"/>
+          </p:cNvPicPr>
+          <p:nvPr>
+            <p:ph idx="1"/>
+          </p:nvPr>
+        </p:nvPicPr>
+        <p:blipFill>
+          <a:blip r:embed="rId3">
+            <a:extLst>
+              <a:ext uri="{28A0092B-C50C-407E-A947-70E740481C1C}">
+                <a14:useLocalDpi xmlns:a14="http://schemas.microsoft.com/office/drawing/2010/main" val="0"/>
+              </a:ext>
+            </a:extLst>
+          </a:blip>
+          <a:srcRect/>
+          <a:stretch/>
+        </p:blipFill>
+        <p:spPr>
+          <a:xfrm>
+            <a:off x="163153" y="2722398"/>
+            <a:ext cx="3970308" cy="2977731"/>
+          </a:xfrm>
+        </p:spPr>
+      </p:pic>
+      <p:pic>
+        <p:nvPicPr>
+          <p:cNvPr id="7" name="Picture 6">
+            <a:extLst>
+              <a:ext uri="{FF2B5EF4-FFF2-40B4-BE49-F238E27FC236}">
+                <a16:creationId xmlns:a16="http://schemas.microsoft.com/office/drawing/2014/main" id="{10F726F5-79FB-40DC-8341-4944484B4D80}"/>
+              </a:ext>
+            </a:extLst>
+          </p:cNvPr>
+          <p:cNvPicPr>
+            <a:picLocks noChangeAspect="1"/>
+          </p:cNvPicPr>
+          <p:nvPr/>
+        </p:nvPicPr>
+        <p:blipFill>
+          <a:blip r:embed="rId4">
+            <a:extLst>
+              <a:ext uri="{28A0092B-C50C-407E-A947-70E740481C1C}">
+                <a14:useLocalDpi xmlns:a14="http://schemas.microsoft.com/office/drawing/2010/main" val="0"/>
+              </a:ext>
+            </a:extLst>
+          </a:blip>
+          <a:srcRect/>
+          <a:stretch/>
+        </p:blipFill>
+        <p:spPr>
+          <a:xfrm>
+            <a:off x="4133461" y="3215724"/>
+            <a:ext cx="3970305" cy="2977728"/>
+          </a:xfrm>
+          <a:prstGeom prst="rect">
+            <a:avLst/>
+          </a:prstGeom>
+        </p:spPr>
+      </p:pic>
+      <p:pic>
+        <p:nvPicPr>
+          <p:cNvPr id="9" name="Picture 8">
+            <a:extLst>
+              <a:ext uri="{FF2B5EF4-FFF2-40B4-BE49-F238E27FC236}">
+                <a16:creationId xmlns:a16="http://schemas.microsoft.com/office/drawing/2014/main" id="{0EBA93E1-79CA-4808-9FF2-B9B35746BDCF}"/>
+              </a:ext>
+            </a:extLst>
+          </p:cNvPr>
+          <p:cNvPicPr>
+            <a:picLocks noChangeAspect="1"/>
+          </p:cNvPicPr>
+          <p:nvPr/>
+        </p:nvPicPr>
+        <p:blipFill>
+          <a:blip r:embed="rId5">
+            <a:extLst>
+              <a:ext uri="{28A0092B-C50C-407E-A947-70E740481C1C}">
+                <a14:useLocalDpi xmlns:a14="http://schemas.microsoft.com/office/drawing/2010/main" val="0"/>
+              </a:ext>
+            </a:extLst>
+          </a:blip>
+          <a:srcRect/>
+          <a:stretch/>
+        </p:blipFill>
+        <p:spPr>
+          <a:xfrm>
+            <a:off x="8103766" y="2722399"/>
+            <a:ext cx="3970306" cy="2977729"/>
+          </a:xfrm>
+          <a:prstGeom prst="rect">
+            <a:avLst/>
+          </a:prstGeom>
+        </p:spPr>
+      </p:pic>
+      <p:sp>
+        <p:nvSpPr>
+          <p:cNvPr id="10" name="Rectangle 9">
+            <a:extLst>
+              <a:ext uri="{FF2B5EF4-FFF2-40B4-BE49-F238E27FC236}">
+                <a16:creationId xmlns:a16="http://schemas.microsoft.com/office/drawing/2014/main" id="{483F972B-C8A5-4F11-A269-09459A469EAB}"/>
+              </a:ext>
+            </a:extLst>
+          </p:cNvPr>
+          <p:cNvSpPr/>
+          <p:nvPr/>
+        </p:nvSpPr>
+        <p:spPr>
+          <a:xfrm>
+            <a:off x="163153" y="5700129"/>
+            <a:ext cx="3970305" cy="493324"/>
+          </a:xfrm>
+          <a:prstGeom prst="rect">
+            <a:avLst/>
+          </a:prstGeom>
+        </p:spPr>
+        <p:style>
+          <a:lnRef idx="2">
+            <a:schemeClr val="accent1">
+              <a:shade val="50000"/>
+            </a:schemeClr>
+          </a:lnRef>
+          <a:fillRef idx="1">
+            <a:schemeClr val="accent1"/>
+          </a:fillRef>
+          <a:effectRef idx="0">
+            <a:schemeClr val="accent1"/>
+          </a:effectRef>
+          <a:fontRef idx="minor">
+            <a:schemeClr val="lt1"/>
+          </a:fontRef>
+        </p:style>
+        <p:txBody>
+          <a:bodyPr rtlCol="0" anchor="ctr"/>
+          <a:lstStyle/>
+          <a:p>
+            <a:pPr algn="ctr"/>
+            <a:r>
+              <a:rPr lang="en-GB" dirty="0"/>
+              <a:t>No-Noise Recovered Model</a:t>
+            </a:r>
+          </a:p>
+        </p:txBody>
+      </p:sp>
+      <p:sp>
+        <p:nvSpPr>
+          <p:cNvPr id="11" name="Rectangle 10">
+            <a:extLst>
+              <a:ext uri="{FF2B5EF4-FFF2-40B4-BE49-F238E27FC236}">
+                <a16:creationId xmlns:a16="http://schemas.microsoft.com/office/drawing/2014/main" id="{7DE650E8-552A-44F9-8318-C113B8DB5F2B}"/>
+              </a:ext>
+            </a:extLst>
+          </p:cNvPr>
+          <p:cNvSpPr/>
+          <p:nvPr/>
+        </p:nvSpPr>
+        <p:spPr>
+          <a:xfrm>
+            <a:off x="4110847" y="2722398"/>
+            <a:ext cx="3970305" cy="493324"/>
+          </a:xfrm>
+          <a:prstGeom prst="rect">
+            <a:avLst/>
+          </a:prstGeom>
+        </p:spPr>
+        <p:style>
+          <a:lnRef idx="2">
+            <a:schemeClr val="accent1">
+              <a:shade val="50000"/>
+            </a:schemeClr>
+          </a:lnRef>
+          <a:fillRef idx="1">
+            <a:schemeClr val="accent1"/>
+          </a:fillRef>
+          <a:effectRef idx="0">
+            <a:schemeClr val="accent1"/>
+          </a:effectRef>
+          <a:fontRef idx="minor">
+            <a:schemeClr val="lt1"/>
+          </a:fontRef>
+        </p:style>
+        <p:txBody>
+          <a:bodyPr rtlCol="0" anchor="ctr"/>
+          <a:lstStyle/>
+          <a:p>
+            <a:pPr algn="ctr"/>
+            <a:r>
+              <a:rPr lang="en-GB" dirty="0"/>
+              <a:t>Noisy data</a:t>
+            </a:r>
+          </a:p>
+        </p:txBody>
+      </p:sp>
+      <p:sp>
+        <p:nvSpPr>
+          <p:cNvPr id="12" name="Rectangle 11">
+            <a:extLst>
+              <a:ext uri="{FF2B5EF4-FFF2-40B4-BE49-F238E27FC236}">
+                <a16:creationId xmlns:a16="http://schemas.microsoft.com/office/drawing/2014/main" id="{3F1EB464-8253-4600-AC7B-467A3014CA99}"/>
+              </a:ext>
+            </a:extLst>
+          </p:cNvPr>
+          <p:cNvSpPr/>
+          <p:nvPr/>
+        </p:nvSpPr>
+        <p:spPr>
+          <a:xfrm>
+            <a:off x="8103763" y="5700129"/>
+            <a:ext cx="3970305" cy="493324"/>
+          </a:xfrm>
+          <a:prstGeom prst="rect">
+            <a:avLst/>
+          </a:prstGeom>
+        </p:spPr>
+        <p:style>
+          <a:lnRef idx="2">
+            <a:schemeClr val="accent1">
+              <a:shade val="50000"/>
+            </a:schemeClr>
+          </a:lnRef>
+          <a:fillRef idx="1">
+            <a:schemeClr val="accent1"/>
+          </a:fillRef>
+          <a:effectRef idx="0">
+            <a:schemeClr val="accent1"/>
+          </a:effectRef>
+          <a:fontRef idx="minor">
+            <a:schemeClr val="lt1"/>
+          </a:fontRef>
+        </p:style>
+        <p:txBody>
+          <a:bodyPr rtlCol="0" anchor="ctr"/>
+          <a:lstStyle/>
+          <a:p>
+            <a:pPr algn="ctr"/>
+            <a:r>
+              <a:rPr lang="en-GB" dirty="0"/>
+              <a:t>Noise Recovered Model</a:t>
+            </a:r>
+          </a:p>
+        </p:txBody>
+      </p:sp>
+      <p:sp>
+        <p:nvSpPr>
+          <p:cNvPr id="13" name="Oval 12">
+            <a:extLst>
+              <a:ext uri="{FF2B5EF4-FFF2-40B4-BE49-F238E27FC236}">
+                <a16:creationId xmlns:a16="http://schemas.microsoft.com/office/drawing/2014/main" id="{DECEBB0B-D9E1-4E38-A847-E7C3D759B0F3}"/>
+              </a:ext>
+            </a:extLst>
+          </p:cNvPr>
+          <p:cNvSpPr/>
+          <p:nvPr/>
+        </p:nvSpPr>
+        <p:spPr>
+          <a:xfrm rot="18489352">
+            <a:off x="0" y="415599"/>
+            <a:ext cx="1904565" cy="1188720"/>
+          </a:xfrm>
+          <a:prstGeom prst="ellipse">
+            <a:avLst/>
+          </a:prstGeom>
+        </p:spPr>
+        <p:style>
+          <a:lnRef idx="2">
+            <a:schemeClr val="accent3">
+              <a:shade val="50000"/>
+            </a:schemeClr>
+          </a:lnRef>
+          <a:fillRef idx="1">
+            <a:schemeClr val="accent3"/>
+          </a:fillRef>
+          <a:effectRef idx="0">
+            <a:schemeClr val="accent3"/>
+          </a:effectRef>
+          <a:fontRef idx="minor">
+            <a:schemeClr val="lt1"/>
+          </a:fontRef>
+        </p:style>
+        <p:txBody>
+          <a:bodyPr rtlCol="0" anchor="ctr"/>
+          <a:lstStyle/>
+          <a:p>
+            <a:pPr algn="ctr"/>
+            <a:r>
+              <a:rPr lang="en-GB" dirty="0"/>
+              <a:t>100 timepoints</a:t>
+            </a:r>
+          </a:p>
+        </p:txBody>
+      </p:sp>
     </p:spTree>
     <p:extLst>
       <p:ext uri="{BB962C8B-B14F-4D97-AF65-F5344CB8AC3E}">
@@ -6260,7 +7754,7 @@
             <a:pPr algn="ctr"/>
             <a:r>
               <a:rPr lang="en-GB" dirty="0"/>
-              <a:t>Noise that was added to the data</a:t>
+              <a:t>Noisy data</a:t>
             </a:r>
           </a:p>
         </p:txBody>
@@ -6623,7 +8117,7 @@
             <a:pPr algn="ctr"/>
             <a:r>
               <a:rPr lang="en-GB" dirty="0"/>
-              <a:t>Noise that was added to the data</a:t>
+              <a:t>Noisy data</a:t>
             </a:r>
           </a:p>
         </p:txBody>
@@ -6985,9 +8479,10 @@
           <a:p>
             <a:pPr algn="ctr"/>
             <a:r>
-              <a:rPr lang="en-GB" dirty="0"/>
-              <a:t>Noise that was added to the data</a:t>
-            </a:r>
+              <a:rPr lang="en-GB"/>
+              <a:t>Noisy data</a:t>
+            </a:r>
+            <a:endParaRPr lang="en-GB" dirty="0"/>
           </a:p>
         </p:txBody>
       </p:sp>
@@ -7259,31 +8754,56 @@
           <a:p>
             <a:r>
               <a:rPr lang="en-GB" dirty="0"/>
+              <a:t>Used the actual molecular weights of the species.</a:t>
+            </a:r>
+          </a:p>
+          <a:p>
+            <a:r>
+              <a:rPr lang="en-GB" dirty="0"/>
               <a:t>Compared each value to the expected mass balance of the initial conditions.</a:t>
             </a:r>
           </a:p>
           <a:p>
-            <a:r>
-              <a:rPr lang="en-GB" dirty="0"/>
-              <a:t>Error was calculated at each point, </a:t>
-            </a:r>
-            <a:r>
-              <a:rPr lang="en-GB"/>
-              <a:t>using the </a:t>
-            </a:r>
-            <a:r>
-              <a:rPr lang="en-GB" dirty="0"/>
-              <a:t>difference / expected formula.</a:t>
-            </a:r>
-          </a:p>
-          <a:p>
-            <a:r>
-              <a:rPr lang="en-GB" dirty="0"/>
-              <a:t>The error at each timestep was averaged out, and a score was reported for both the No-Noise Model and the Noise Model.</a:t>
-            </a:r>
-          </a:p>
-        </p:txBody>
-      </p:sp>
+            <a:endParaRPr lang="en-GB" dirty="0"/>
+          </a:p>
+        </p:txBody>
+      </p:sp>
+      <p:pic>
+        <p:nvPicPr>
+          <p:cNvPr id="6" name="Picture 5">
+            <a:extLst>
+              <a:ext uri="{FF2B5EF4-FFF2-40B4-BE49-F238E27FC236}">
+                <a16:creationId xmlns:a16="http://schemas.microsoft.com/office/drawing/2014/main" id="{FB734540-8630-4E80-BF41-DE492F921D69}"/>
+              </a:ext>
+            </a:extLst>
+          </p:cNvPr>
+          <p:cNvPicPr>
+            <a:picLocks noChangeAspect="1"/>
+          </p:cNvPicPr>
+          <p:nvPr/>
+        </p:nvPicPr>
+        <p:blipFill>
+          <a:blip r:embed="rId2">
+            <a:extLst>
+              <a:ext uri="{28A0092B-C50C-407E-A947-70E740481C1C}">
+                <a14:useLocalDpi xmlns:a14="http://schemas.microsoft.com/office/drawing/2010/main" val="0"/>
+              </a:ext>
+            </a:extLst>
+          </a:blip>
+          <a:stretch>
+            <a:fillRect/>
+          </a:stretch>
+        </p:blipFill>
+        <p:spPr>
+          <a:xfrm>
+            <a:off x="1037036" y="4026469"/>
+            <a:ext cx="10117927" cy="939377"/>
+          </a:xfrm>
+          <a:prstGeom prst="rect">
+            <a:avLst/>
+          </a:prstGeom>
+        </p:spPr>
+      </p:pic>
     </p:spTree>
     <p:extLst>
       <p:ext uri="{BB962C8B-B14F-4D97-AF65-F5344CB8AC3E}">
